--- a/SQL Basics.pptx
+++ b/SQL Basics.pptx
@@ -5,71 +5,73 @@
     <p:sldMasterId id="2147483662" r:id="rId1"/>
   </p:sldMasterIdLst>
   <p:notesMasterIdLst>
-    <p:notesMasterId r:id="rId22"/>
+    <p:notesMasterId r:id="rId24"/>
   </p:notesMasterIdLst>
   <p:sldIdLst>
     <p:sldId id="257" r:id="rId2"/>
     <p:sldId id="258" r:id="rId3"/>
     <p:sldId id="259" r:id="rId4"/>
     <p:sldId id="260" r:id="rId5"/>
-    <p:sldId id="261" r:id="rId6"/>
-    <p:sldId id="262" r:id="rId7"/>
-    <p:sldId id="263" r:id="rId8"/>
-    <p:sldId id="264" r:id="rId9"/>
-    <p:sldId id="265" r:id="rId10"/>
-    <p:sldId id="266" r:id="rId11"/>
-    <p:sldId id="267" r:id="rId12"/>
-    <p:sldId id="268" r:id="rId13"/>
-    <p:sldId id="269" r:id="rId14"/>
+    <p:sldId id="277" r:id="rId6"/>
+    <p:sldId id="261" r:id="rId7"/>
+    <p:sldId id="262" r:id="rId8"/>
+    <p:sldId id="263" r:id="rId9"/>
+    <p:sldId id="264" r:id="rId10"/>
+    <p:sldId id="265" r:id="rId11"/>
+    <p:sldId id="266" r:id="rId12"/>
+    <p:sldId id="267" r:id="rId13"/>
+    <p:sldId id="268" r:id="rId14"/>
     <p:sldId id="270" r:id="rId15"/>
-    <p:sldId id="271" r:id="rId16"/>
-    <p:sldId id="272" r:id="rId17"/>
-    <p:sldId id="273" r:id="rId18"/>
-    <p:sldId id="274" r:id="rId19"/>
-    <p:sldId id="275" r:id="rId20"/>
-    <p:sldId id="276" r:id="rId21"/>
+    <p:sldId id="278" r:id="rId16"/>
+    <p:sldId id="269" r:id="rId17"/>
+    <p:sldId id="271" r:id="rId18"/>
+    <p:sldId id="272" r:id="rId19"/>
+    <p:sldId id="279" r:id="rId20"/>
+    <p:sldId id="273" r:id="rId21"/>
+    <p:sldId id="274" r:id="rId22"/>
+    <p:sldId id="275" r:id="rId23"/>
   </p:sldIdLst>
   <p:sldSz cx="9144000" cy="5143500" type="screen16x9"/>
   <p:notesSz cx="6858000" cy="9144000"/>
   <p:embeddedFontLst>
     <p:embeddedFont>
       <p:font typeface="Calibri" panose="020F0502020204030204" pitchFamily="34" charset="0"/>
-      <p:regular r:id="rId23"/>
-      <p:bold r:id="rId24"/>
-      <p:italic r:id="rId25"/>
-      <p:boldItalic r:id="rId26"/>
+      <p:regular r:id="rId25"/>
+      <p:bold r:id="rId26"/>
+      <p:italic r:id="rId27"/>
+      <p:boldItalic r:id="rId28"/>
     </p:embeddedFont>
     <p:embeddedFont>
       <p:font typeface="Helvetica Neue Light" panose="020B0604020202020204" charset="0"/>
-      <p:regular r:id="rId27"/>
-      <p:bold r:id="rId28"/>
-      <p:italic r:id="rId29"/>
-      <p:boldItalic r:id="rId30"/>
+      <p:regular r:id="rId29"/>
+      <p:bold r:id="rId30"/>
+      <p:italic r:id="rId31"/>
+      <p:boldItalic r:id="rId32"/>
     </p:embeddedFont>
     <p:embeddedFont>
       <p:font typeface="Open Sans" panose="020B0606030504020204" pitchFamily="34" charset="0"/>
-      <p:regular r:id="rId31"/>
-      <p:bold r:id="rId32"/>
-      <p:italic r:id="rId33"/>
-      <p:boldItalic r:id="rId34"/>
+      <p:regular r:id="rId33"/>
+      <p:bold r:id="rId34"/>
+      <p:italic r:id="rId35"/>
+      <p:boldItalic r:id="rId36"/>
     </p:embeddedFont>
     <p:embeddedFont>
       <p:font typeface="Open Sans Light" panose="020B0306030504020204" pitchFamily="34" charset="0"/>
-      <p:regular r:id="rId35"/>
-      <p:bold r:id="rId36"/>
-      <p:italic r:id="rId37"/>
-      <p:boldItalic r:id="rId38"/>
+      <p:regular r:id="rId37"/>
+      <p:bold r:id="rId38"/>
+      <p:italic r:id="rId39"/>
+      <p:boldItalic r:id="rId40"/>
     </p:embeddedFont>
     <p:embeddedFont>
       <p:font typeface="Proxima Nova" panose="020B0604020202020204" charset="0"/>
-      <p:regular r:id="rId39"/>
-      <p:bold r:id="rId40"/>
-      <p:italic r:id="rId41"/>
-      <p:boldItalic r:id="rId42"/>
+      <p:regular r:id="rId41"/>
+      <p:bold r:id="rId42"/>
+      <p:italic r:id="rId43"/>
+      <p:boldItalic r:id="rId44"/>
     </p:embeddedFont>
     <p:embeddedFont>
       <p:font typeface="Proxima Nova Extrabold" panose="020B0604020202020204" charset="0"/>
-      <p:bold r:id="rId43"/>
+      <p:bold r:id="rId45"/>
     </p:embeddedFont>
   </p:embeddedFontLst>
   <p:defaultTextStyle>
@@ -790,7 +792,7 @@
         </p:nvSpPr>
         <p:spPr>
           <a:xfrm>
-            <a:off x="381300" y="685800"/>
+            <a:off x="381000" y="685800"/>
             <a:ext cx="6096000" cy="3429000"/>
           </a:xfrm>
           <a:custGeom>
@@ -1182,6 +1184,110 @@
   <p:cSld>
     <p:spTree>
       <p:nvGrpSpPr>
+        <p:cNvPr id="1" name="Shape 157"/>
+        <p:cNvGrpSpPr/>
+        <p:nvPr/>
+      </p:nvGrpSpPr>
+      <p:grpSpPr>
+        <a:xfrm>
+          <a:off x="0" y="0"/>
+          <a:ext cx="0" cy="0"/>
+          <a:chOff x="0" y="0"/>
+          <a:chExt cx="0" cy="0"/>
+        </a:xfrm>
+      </p:grpSpPr>
+      <p:sp>
+        <p:nvSpPr>
+          <p:cNvPr id="158" name="Google Shape;158;g15b0a2d2abb_0_1:notes"/>
+          <p:cNvSpPr>
+            <a:spLocks noGrp="1" noRot="1" noChangeAspect="1"/>
+          </p:cNvSpPr>
+          <p:nvPr>
+            <p:ph type="sldImg" idx="2"/>
+          </p:nvPr>
+        </p:nvSpPr>
+        <p:spPr>
+          <a:xfrm>
+            <a:off x="381000" y="685800"/>
+            <a:ext cx="6096000" cy="3429000"/>
+          </a:xfrm>
+          <a:custGeom>
+            <a:avLst/>
+            <a:gdLst/>
+            <a:ahLst/>
+            <a:cxnLst/>
+            <a:rect l="l" t="t" r="r" b="b"/>
+            <a:pathLst>
+              <a:path w="120000" h="120000" extrusionOk="0">
+                <a:moveTo>
+                  <a:pt x="0" y="0"/>
+                </a:moveTo>
+                <a:lnTo>
+                  <a:pt x="120000" y="0"/>
+                </a:lnTo>
+                <a:lnTo>
+                  <a:pt x="120000" y="120000"/>
+                </a:lnTo>
+                <a:lnTo>
+                  <a:pt x="0" y="120000"/>
+                </a:lnTo>
+                <a:close/>
+              </a:path>
+            </a:pathLst>
+          </a:custGeom>
+        </p:spPr>
+      </p:sp>
+      <p:sp>
+        <p:nvSpPr>
+          <p:cNvPr id="159" name="Google Shape;159;g15b0a2d2abb_0_1:notes"/>
+          <p:cNvSpPr txBox="1">
+            <a:spLocks noGrp="1"/>
+          </p:cNvSpPr>
+          <p:nvPr>
+            <p:ph type="body" idx="1"/>
+          </p:nvPr>
+        </p:nvSpPr>
+        <p:spPr>
+          <a:xfrm>
+            <a:off x="685800" y="4343400"/>
+            <a:ext cx="5486400" cy="4114800"/>
+          </a:xfrm>
+          <a:prstGeom prst="rect">
+            <a:avLst/>
+          </a:prstGeom>
+        </p:spPr>
+        <p:txBody>
+          <a:bodyPr spcFirstLastPara="1" wrap="square" lIns="91425" tIns="91425" rIns="91425" bIns="91425" anchor="t" anchorCtr="0">
+            <a:noAutofit/>
+          </a:bodyPr>
+          <a:lstStyle/>
+          <a:p>
+            <a:pPr marL="0" lvl="0" indent="0" algn="l" rtl="0">
+              <a:spcBef>
+                <a:spcPts val="0"/>
+              </a:spcBef>
+              <a:spcAft>
+                <a:spcPts val="0"/>
+              </a:spcAft>
+              <a:buNone/>
+            </a:pPr>
+            <a:endParaRPr/>
+          </a:p>
+        </p:txBody>
+      </p:sp>
+    </p:spTree>
+  </p:cSld>
+  <p:clrMapOvr>
+    <a:masterClrMapping/>
+  </p:clrMapOvr>
+</p:notes>
+</file>
+
+<file path=ppt/notesSlides/notesSlide14.xml><?xml version="1.0" encoding="utf-8"?>
+<p:notes xmlns:a="http://schemas.openxmlformats.org/drawingml/2006/main" xmlns:r="http://schemas.openxmlformats.org/officeDocument/2006/relationships" xmlns:p="http://schemas.openxmlformats.org/presentationml/2006/main" showMasterSp="0" showMasterPhAnim="0">
+  <p:cSld>
+    <p:spTree>
+      <p:nvGrpSpPr>
         <p:cNvPr id="1" name="Shape 150"/>
         <p:cNvGrpSpPr/>
         <p:nvPr/>
@@ -1238,110 +1344,6 @@
       <p:sp>
         <p:nvSpPr>
           <p:cNvPr id="152" name="Google Shape;152;g12920984f16_0_45:notes"/>
-          <p:cNvSpPr txBox="1">
-            <a:spLocks noGrp="1"/>
-          </p:cNvSpPr>
-          <p:nvPr>
-            <p:ph type="body" idx="1"/>
-          </p:nvPr>
-        </p:nvSpPr>
-        <p:spPr>
-          <a:xfrm>
-            <a:off x="685800" y="4343400"/>
-            <a:ext cx="5486400" cy="4114800"/>
-          </a:xfrm>
-          <a:prstGeom prst="rect">
-            <a:avLst/>
-          </a:prstGeom>
-        </p:spPr>
-        <p:txBody>
-          <a:bodyPr spcFirstLastPara="1" wrap="square" lIns="91425" tIns="91425" rIns="91425" bIns="91425" anchor="t" anchorCtr="0">
-            <a:noAutofit/>
-          </a:bodyPr>
-          <a:lstStyle/>
-          <a:p>
-            <a:pPr marL="0" lvl="0" indent="0" algn="l" rtl="0">
-              <a:spcBef>
-                <a:spcPts val="0"/>
-              </a:spcBef>
-              <a:spcAft>
-                <a:spcPts val="0"/>
-              </a:spcAft>
-              <a:buNone/>
-            </a:pPr>
-            <a:endParaRPr/>
-          </a:p>
-        </p:txBody>
-      </p:sp>
-    </p:spTree>
-  </p:cSld>
-  <p:clrMapOvr>
-    <a:masterClrMapping/>
-  </p:clrMapOvr>
-</p:notes>
-</file>
-
-<file path=ppt/notesSlides/notesSlide14.xml><?xml version="1.0" encoding="utf-8"?>
-<p:notes xmlns:a="http://schemas.openxmlformats.org/drawingml/2006/main" xmlns:r="http://schemas.openxmlformats.org/officeDocument/2006/relationships" xmlns:p="http://schemas.openxmlformats.org/presentationml/2006/main" showMasterSp="0" showMasterPhAnim="0">
-  <p:cSld>
-    <p:spTree>
-      <p:nvGrpSpPr>
-        <p:cNvPr id="1" name="Shape 157"/>
-        <p:cNvGrpSpPr/>
-        <p:nvPr/>
-      </p:nvGrpSpPr>
-      <p:grpSpPr>
-        <a:xfrm>
-          <a:off x="0" y="0"/>
-          <a:ext cx="0" cy="0"/>
-          <a:chOff x="0" y="0"/>
-          <a:chExt cx="0" cy="0"/>
-        </a:xfrm>
-      </p:grpSpPr>
-      <p:sp>
-        <p:nvSpPr>
-          <p:cNvPr id="158" name="Google Shape;158;g15b0a2d2abb_0_1:notes"/>
-          <p:cNvSpPr>
-            <a:spLocks noGrp="1" noRot="1" noChangeAspect="1"/>
-          </p:cNvSpPr>
-          <p:nvPr>
-            <p:ph type="sldImg" idx="2"/>
-          </p:nvPr>
-        </p:nvSpPr>
-        <p:spPr>
-          <a:xfrm>
-            <a:off x="381300" y="685800"/>
-            <a:ext cx="6096000" cy="3429000"/>
-          </a:xfrm>
-          <a:custGeom>
-            <a:avLst/>
-            <a:gdLst/>
-            <a:ahLst/>
-            <a:cxnLst/>
-            <a:rect l="l" t="t" r="r" b="b"/>
-            <a:pathLst>
-              <a:path w="120000" h="120000" extrusionOk="0">
-                <a:moveTo>
-                  <a:pt x="0" y="0"/>
-                </a:moveTo>
-                <a:lnTo>
-                  <a:pt x="120000" y="0"/>
-                </a:lnTo>
-                <a:lnTo>
-                  <a:pt x="120000" y="120000"/>
-                </a:lnTo>
-                <a:lnTo>
-                  <a:pt x="0" y="120000"/>
-                </a:lnTo>
-                <a:close/>
-              </a:path>
-            </a:pathLst>
-          </a:custGeom>
-        </p:spPr>
-      </p:sp>
-      <p:sp>
-        <p:nvSpPr>
-          <p:cNvPr id="159" name="Google Shape;159;g15b0a2d2abb_0_1:notes"/>
           <p:cNvSpPr txBox="1">
             <a:spLocks noGrp="1"/>
           </p:cNvSpPr>
@@ -1830,7 +1832,7 @@
         </p:nvSpPr>
         <p:spPr>
           <a:xfrm>
-            <a:off x="381300" y="685800"/>
+            <a:off x="381000" y="685800"/>
             <a:ext cx="6096000" cy="3429000"/>
           </a:xfrm>
           <a:custGeom>
@@ -2009,110 +2011,6 @@
 </p:notes>
 </file>
 
-<file path=ppt/notesSlides/notesSlide20.xml><?xml version="1.0" encoding="utf-8"?>
-<p:notes xmlns:a="http://schemas.openxmlformats.org/drawingml/2006/main" xmlns:r="http://schemas.openxmlformats.org/officeDocument/2006/relationships" xmlns:p="http://schemas.openxmlformats.org/presentationml/2006/main" showMasterSp="0" showMasterPhAnim="0">
-  <p:cSld>
-    <p:spTree>
-      <p:nvGrpSpPr>
-        <p:cNvPr id="1" name="Shape 192"/>
-        <p:cNvGrpSpPr/>
-        <p:nvPr/>
-      </p:nvGrpSpPr>
-      <p:grpSpPr>
-        <a:xfrm>
-          <a:off x="0" y="0"/>
-          <a:ext cx="0" cy="0"/>
-          <a:chOff x="0" y="0"/>
-          <a:chExt cx="0" cy="0"/>
-        </a:xfrm>
-      </p:grpSpPr>
-      <p:sp>
-        <p:nvSpPr>
-          <p:cNvPr id="193" name="Google Shape;193;g1451c813968_0_0:notes"/>
-          <p:cNvSpPr>
-            <a:spLocks noGrp="1" noRot="1" noChangeAspect="1"/>
-          </p:cNvSpPr>
-          <p:nvPr>
-            <p:ph type="sldImg" idx="2"/>
-          </p:nvPr>
-        </p:nvSpPr>
-        <p:spPr>
-          <a:xfrm>
-            <a:off x="381300" y="685800"/>
-            <a:ext cx="6096000" cy="3429000"/>
-          </a:xfrm>
-          <a:custGeom>
-            <a:avLst/>
-            <a:gdLst/>
-            <a:ahLst/>
-            <a:cxnLst/>
-            <a:rect l="l" t="t" r="r" b="b"/>
-            <a:pathLst>
-              <a:path w="120000" h="120000" extrusionOk="0">
-                <a:moveTo>
-                  <a:pt x="0" y="0"/>
-                </a:moveTo>
-                <a:lnTo>
-                  <a:pt x="120000" y="0"/>
-                </a:lnTo>
-                <a:lnTo>
-                  <a:pt x="120000" y="120000"/>
-                </a:lnTo>
-                <a:lnTo>
-                  <a:pt x="0" y="120000"/>
-                </a:lnTo>
-                <a:close/>
-              </a:path>
-            </a:pathLst>
-          </a:custGeom>
-        </p:spPr>
-      </p:sp>
-      <p:sp>
-        <p:nvSpPr>
-          <p:cNvPr id="194" name="Google Shape;194;g1451c813968_0_0:notes"/>
-          <p:cNvSpPr txBox="1">
-            <a:spLocks noGrp="1"/>
-          </p:cNvSpPr>
-          <p:nvPr>
-            <p:ph type="body" idx="1"/>
-          </p:nvPr>
-        </p:nvSpPr>
-        <p:spPr>
-          <a:xfrm>
-            <a:off x="685800" y="4343400"/>
-            <a:ext cx="5486400" cy="4114800"/>
-          </a:xfrm>
-          <a:prstGeom prst="rect">
-            <a:avLst/>
-          </a:prstGeom>
-        </p:spPr>
-        <p:txBody>
-          <a:bodyPr spcFirstLastPara="1" wrap="square" lIns="91425" tIns="91425" rIns="91425" bIns="91425" anchor="t" anchorCtr="0">
-            <a:noAutofit/>
-          </a:bodyPr>
-          <a:lstStyle/>
-          <a:p>
-            <a:pPr marL="0" lvl="0" indent="0" algn="l" rtl="0">
-              <a:spcBef>
-                <a:spcPts val="0"/>
-              </a:spcBef>
-              <a:spcAft>
-                <a:spcPts val="0"/>
-              </a:spcAft>
-              <a:buNone/>
-            </a:pPr>
-            <a:endParaRPr/>
-          </a:p>
-        </p:txBody>
-      </p:sp>
-    </p:spTree>
-  </p:cSld>
-  <p:clrMapOvr>
-    <a:masterClrMapping/>
-  </p:clrMapOvr>
-</p:notes>
-</file>
-
 <file path=ppt/notesSlides/notesSlide3.xml><?xml version="1.0" encoding="utf-8"?>
 <p:notes xmlns:a="http://schemas.openxmlformats.org/drawingml/2006/main" xmlns:r="http://schemas.openxmlformats.org/officeDocument/2006/relationships" xmlns:p="http://schemas.openxmlformats.org/presentationml/2006/main" showMasterSp="0" showMasterPhAnim="0">
   <p:cSld>
@@ -2558,7 +2456,7 @@
         </p:nvSpPr>
         <p:spPr>
           <a:xfrm>
-            <a:off x="381300" y="685800"/>
+            <a:off x="381000" y="685800"/>
             <a:ext cx="6096000" cy="3429000"/>
           </a:xfrm>
           <a:custGeom>
@@ -2869,7 +2767,7 @@
         <p:fade/>
       </p:transition>
     </mc:Choice>
-    <mc:Fallback xmlns="" xmlns:mv="urn:schemas-microsoft-com:mac:vml" xmlns:c="http://schemas.openxmlformats.org/drawingml/2006/chart" xmlns:dgm="http://schemas.openxmlformats.org/drawingml/2006/diagram" xmlns:o="urn:schemas-microsoft-com:office:office" xmlns:v="urn:schemas-microsoft-com:vml" xmlns:pvml="urn:schemas-microsoft-com:office:powerpoint" xmlns:com="http://schemas.openxmlformats.org/drawingml/2006/compatibility" xmlns:p15="http://schemas.microsoft.com/office/powerpoint/2012/main" xmlns:ahyp="http://schemas.microsoft.com/office/drawing/2018/hyperlinkcolor">
+    <mc:Fallback xmlns:ahyp="http://schemas.microsoft.com/office/drawing/2018/hyperlinkcolor" xmlns:p15="http://schemas.microsoft.com/office/powerpoint/2012/main" xmlns:com="http://schemas.openxmlformats.org/drawingml/2006/compatibility" xmlns:pvml="urn:schemas-microsoft-com:office:powerpoint" xmlns:v="urn:schemas-microsoft-com:vml" xmlns:o="urn:schemas-microsoft-com:office:office" xmlns:dgm="http://schemas.openxmlformats.org/drawingml/2006/diagram" xmlns:c="http://schemas.openxmlformats.org/drawingml/2006/chart" xmlns:mv="urn:schemas-microsoft-com:mac:vml" xmlns="">
       <p:transition spd="slow">
         <p:fade/>
       </p:transition>
@@ -2906,7 +2804,7 @@
         <p:fade/>
       </p:transition>
     </mc:Choice>
-    <mc:Fallback xmlns="" xmlns:mv="urn:schemas-microsoft-com:mac:vml" xmlns:c="http://schemas.openxmlformats.org/drawingml/2006/chart" xmlns:dgm="http://schemas.openxmlformats.org/drawingml/2006/diagram" xmlns:o="urn:schemas-microsoft-com:office:office" xmlns:v="urn:schemas-microsoft-com:vml" xmlns:pvml="urn:schemas-microsoft-com:office:powerpoint" xmlns:com="http://schemas.openxmlformats.org/drawingml/2006/compatibility" xmlns:p15="http://schemas.microsoft.com/office/powerpoint/2012/main" xmlns:ahyp="http://schemas.microsoft.com/office/drawing/2018/hyperlinkcolor">
+    <mc:Fallback xmlns:ahyp="http://schemas.microsoft.com/office/drawing/2018/hyperlinkcolor" xmlns:p15="http://schemas.microsoft.com/office/powerpoint/2012/main" xmlns:com="http://schemas.openxmlformats.org/drawingml/2006/compatibility" xmlns:pvml="urn:schemas-microsoft-com:office:powerpoint" xmlns:v="urn:schemas-microsoft-com:vml" xmlns:o="urn:schemas-microsoft-com:office:office" xmlns:dgm="http://schemas.openxmlformats.org/drawingml/2006/diagram" xmlns:c="http://schemas.openxmlformats.org/drawingml/2006/chart" xmlns:mv="urn:schemas-microsoft-com:mac:vml" xmlns="">
       <p:transition spd="slow">
         <p:fade/>
       </p:transition>
@@ -2943,7 +2841,7 @@
         <p:fade/>
       </p:transition>
     </mc:Choice>
-    <mc:Fallback xmlns="" xmlns:mv="urn:schemas-microsoft-com:mac:vml" xmlns:c="http://schemas.openxmlformats.org/drawingml/2006/chart" xmlns:dgm="http://schemas.openxmlformats.org/drawingml/2006/diagram" xmlns:o="urn:schemas-microsoft-com:office:office" xmlns:v="urn:schemas-microsoft-com:vml" xmlns:pvml="urn:schemas-microsoft-com:office:powerpoint" xmlns:com="http://schemas.openxmlformats.org/drawingml/2006/compatibility" xmlns:p15="http://schemas.microsoft.com/office/powerpoint/2012/main" xmlns:ahyp="http://schemas.microsoft.com/office/drawing/2018/hyperlinkcolor">
+    <mc:Fallback xmlns:ahyp="http://schemas.microsoft.com/office/drawing/2018/hyperlinkcolor" xmlns:p15="http://schemas.microsoft.com/office/powerpoint/2012/main" xmlns:com="http://schemas.openxmlformats.org/drawingml/2006/compatibility" xmlns:pvml="urn:schemas-microsoft-com:office:powerpoint" xmlns:v="urn:schemas-microsoft-com:vml" xmlns:o="urn:schemas-microsoft-com:office:office" xmlns:dgm="http://schemas.openxmlformats.org/drawingml/2006/diagram" xmlns:c="http://schemas.openxmlformats.org/drawingml/2006/chart" xmlns:mv="urn:schemas-microsoft-com:mac:vml" xmlns="">
       <p:transition spd="slow">
         <p:fade/>
       </p:transition>
@@ -4511,7 +4409,7 @@
         <p:fade/>
       </p:transition>
     </mc:Choice>
-    <mc:Fallback xmlns="" xmlns:mv="urn:schemas-microsoft-com:mac:vml" xmlns:c="http://schemas.openxmlformats.org/drawingml/2006/chart" xmlns:dgm="http://schemas.openxmlformats.org/drawingml/2006/diagram" xmlns:o="urn:schemas-microsoft-com:office:office" xmlns:v="urn:schemas-microsoft-com:vml" xmlns:pvml="urn:schemas-microsoft-com:office:powerpoint" xmlns:com="http://schemas.openxmlformats.org/drawingml/2006/compatibility" xmlns:p15="http://schemas.microsoft.com/office/powerpoint/2012/main" xmlns:ahyp="http://schemas.microsoft.com/office/drawing/2018/hyperlinkcolor">
+    <mc:Fallback xmlns:ahyp="http://schemas.microsoft.com/office/drawing/2018/hyperlinkcolor" xmlns:p15="http://schemas.microsoft.com/office/powerpoint/2012/main" xmlns:com="http://schemas.openxmlformats.org/drawingml/2006/compatibility" xmlns:pvml="urn:schemas-microsoft-com:office:powerpoint" xmlns:v="urn:schemas-microsoft-com:vml" xmlns:o="urn:schemas-microsoft-com:office:office" xmlns:dgm="http://schemas.openxmlformats.org/drawingml/2006/diagram" xmlns:c="http://schemas.openxmlformats.org/drawingml/2006/chart" xmlns:mv="urn:schemas-microsoft-com:mac:vml" xmlns="">
       <p:transition spd="slow">
         <p:fade/>
       </p:transition>
@@ -4548,7 +4446,7 @@
         <p:fade/>
       </p:transition>
     </mc:Choice>
-    <mc:Fallback xmlns="" xmlns:mv="urn:schemas-microsoft-com:mac:vml" xmlns:c="http://schemas.openxmlformats.org/drawingml/2006/chart" xmlns:dgm="http://schemas.openxmlformats.org/drawingml/2006/diagram" xmlns:o="urn:schemas-microsoft-com:office:office" xmlns:v="urn:schemas-microsoft-com:vml" xmlns:pvml="urn:schemas-microsoft-com:office:powerpoint" xmlns:com="http://schemas.openxmlformats.org/drawingml/2006/compatibility" xmlns:p15="http://schemas.microsoft.com/office/powerpoint/2012/main" xmlns:ahyp="http://schemas.microsoft.com/office/drawing/2018/hyperlinkcolor">
+    <mc:Fallback xmlns:ahyp="http://schemas.microsoft.com/office/drawing/2018/hyperlinkcolor" xmlns:p15="http://schemas.microsoft.com/office/powerpoint/2012/main" xmlns:com="http://schemas.openxmlformats.org/drawingml/2006/compatibility" xmlns:pvml="urn:schemas-microsoft-com:office:powerpoint" xmlns:v="urn:schemas-microsoft-com:vml" xmlns:o="urn:schemas-microsoft-com:office:office" xmlns:dgm="http://schemas.openxmlformats.org/drawingml/2006/diagram" xmlns:c="http://schemas.openxmlformats.org/drawingml/2006/chart" xmlns:mv="urn:schemas-microsoft-com:mac:vml" xmlns="">
       <p:transition spd="slow">
         <p:fade/>
       </p:transition>
@@ -4585,7 +4483,7 @@
         <p:fade/>
       </p:transition>
     </mc:Choice>
-    <mc:Fallback xmlns="" xmlns:mv="urn:schemas-microsoft-com:mac:vml" xmlns:c="http://schemas.openxmlformats.org/drawingml/2006/chart" xmlns:dgm="http://schemas.openxmlformats.org/drawingml/2006/diagram" xmlns:o="urn:schemas-microsoft-com:office:office" xmlns:v="urn:schemas-microsoft-com:vml" xmlns:pvml="urn:schemas-microsoft-com:office:powerpoint" xmlns:com="http://schemas.openxmlformats.org/drawingml/2006/compatibility" xmlns:p15="http://schemas.microsoft.com/office/powerpoint/2012/main" xmlns:ahyp="http://schemas.microsoft.com/office/drawing/2018/hyperlinkcolor">
+    <mc:Fallback xmlns:ahyp="http://schemas.microsoft.com/office/drawing/2018/hyperlinkcolor" xmlns:p15="http://schemas.microsoft.com/office/powerpoint/2012/main" xmlns:com="http://schemas.openxmlformats.org/drawingml/2006/compatibility" xmlns:pvml="urn:schemas-microsoft-com:office:powerpoint" xmlns:v="urn:schemas-microsoft-com:vml" xmlns:o="urn:schemas-microsoft-com:office:office" xmlns:dgm="http://schemas.openxmlformats.org/drawingml/2006/diagram" xmlns:c="http://schemas.openxmlformats.org/drawingml/2006/chart" xmlns:mv="urn:schemas-microsoft-com:mac:vml" xmlns="">
       <p:transition spd="slow">
         <p:fade/>
       </p:transition>
@@ -4622,7 +4520,7 @@
         <p:fade/>
       </p:transition>
     </mc:Choice>
-    <mc:Fallback xmlns="" xmlns:mv="urn:schemas-microsoft-com:mac:vml" xmlns:c="http://schemas.openxmlformats.org/drawingml/2006/chart" xmlns:dgm="http://schemas.openxmlformats.org/drawingml/2006/diagram" xmlns:o="urn:schemas-microsoft-com:office:office" xmlns:v="urn:schemas-microsoft-com:vml" xmlns:pvml="urn:schemas-microsoft-com:office:powerpoint" xmlns:com="http://schemas.openxmlformats.org/drawingml/2006/compatibility" xmlns:p15="http://schemas.microsoft.com/office/powerpoint/2012/main" xmlns:ahyp="http://schemas.microsoft.com/office/drawing/2018/hyperlinkcolor">
+    <mc:Fallback xmlns:ahyp="http://schemas.microsoft.com/office/drawing/2018/hyperlinkcolor" xmlns:p15="http://schemas.microsoft.com/office/powerpoint/2012/main" xmlns:com="http://schemas.openxmlformats.org/drawingml/2006/compatibility" xmlns:pvml="urn:schemas-microsoft-com:office:powerpoint" xmlns:v="urn:schemas-microsoft-com:vml" xmlns:o="urn:schemas-microsoft-com:office:office" xmlns:dgm="http://schemas.openxmlformats.org/drawingml/2006/diagram" xmlns:c="http://schemas.openxmlformats.org/drawingml/2006/chart" xmlns:mv="urn:schemas-microsoft-com:mac:vml" xmlns="">
       <p:transition spd="slow">
         <p:fade/>
       </p:transition>
@@ -4659,7 +4557,7 @@
         <p:fade/>
       </p:transition>
     </mc:Choice>
-    <mc:Fallback xmlns="" xmlns:mv="urn:schemas-microsoft-com:mac:vml" xmlns:c="http://schemas.openxmlformats.org/drawingml/2006/chart" xmlns:dgm="http://schemas.openxmlformats.org/drawingml/2006/diagram" xmlns:o="urn:schemas-microsoft-com:office:office" xmlns:v="urn:schemas-microsoft-com:vml" xmlns:pvml="urn:schemas-microsoft-com:office:powerpoint" xmlns:com="http://schemas.openxmlformats.org/drawingml/2006/compatibility" xmlns:p15="http://schemas.microsoft.com/office/powerpoint/2012/main" xmlns:ahyp="http://schemas.microsoft.com/office/drawing/2018/hyperlinkcolor">
+    <mc:Fallback xmlns:ahyp="http://schemas.microsoft.com/office/drawing/2018/hyperlinkcolor" xmlns:p15="http://schemas.microsoft.com/office/powerpoint/2012/main" xmlns:com="http://schemas.openxmlformats.org/drawingml/2006/compatibility" xmlns:pvml="urn:schemas-microsoft-com:office:powerpoint" xmlns:v="urn:schemas-microsoft-com:vml" xmlns:o="urn:schemas-microsoft-com:office:office" xmlns:dgm="http://schemas.openxmlformats.org/drawingml/2006/diagram" xmlns:c="http://schemas.openxmlformats.org/drawingml/2006/chart" xmlns:mv="urn:schemas-microsoft-com:mac:vml" xmlns="">
       <p:transition spd="slow">
         <p:fade/>
       </p:transition>
@@ -4696,7 +4594,7 @@
         <p:fade/>
       </p:transition>
     </mc:Choice>
-    <mc:Fallback xmlns="" xmlns:mv="urn:schemas-microsoft-com:mac:vml" xmlns:c="http://schemas.openxmlformats.org/drawingml/2006/chart" xmlns:dgm="http://schemas.openxmlformats.org/drawingml/2006/diagram" xmlns:o="urn:schemas-microsoft-com:office:office" xmlns:v="urn:schemas-microsoft-com:vml" xmlns:pvml="urn:schemas-microsoft-com:office:powerpoint" xmlns:com="http://schemas.openxmlformats.org/drawingml/2006/compatibility" xmlns:p15="http://schemas.microsoft.com/office/powerpoint/2012/main" xmlns:ahyp="http://schemas.microsoft.com/office/drawing/2018/hyperlinkcolor">
+    <mc:Fallback xmlns:ahyp="http://schemas.microsoft.com/office/drawing/2018/hyperlinkcolor" xmlns:p15="http://schemas.microsoft.com/office/powerpoint/2012/main" xmlns:com="http://schemas.openxmlformats.org/drawingml/2006/compatibility" xmlns:pvml="urn:schemas-microsoft-com:office:powerpoint" xmlns:v="urn:schemas-microsoft-com:vml" xmlns:o="urn:schemas-microsoft-com:office:office" xmlns:dgm="http://schemas.openxmlformats.org/drawingml/2006/diagram" xmlns:c="http://schemas.openxmlformats.org/drawingml/2006/chart" xmlns:mv="urn:schemas-microsoft-com:mac:vml" xmlns="">
       <p:transition spd="slow">
         <p:fade/>
       </p:transition>
@@ -4733,7 +4631,7 @@
         <p:fade/>
       </p:transition>
     </mc:Choice>
-    <mc:Fallback xmlns="" xmlns:mv="urn:schemas-microsoft-com:mac:vml" xmlns:c="http://schemas.openxmlformats.org/drawingml/2006/chart" xmlns:dgm="http://schemas.openxmlformats.org/drawingml/2006/diagram" xmlns:o="urn:schemas-microsoft-com:office:office" xmlns:v="urn:schemas-microsoft-com:vml" xmlns:pvml="urn:schemas-microsoft-com:office:powerpoint" xmlns:com="http://schemas.openxmlformats.org/drawingml/2006/compatibility" xmlns:p15="http://schemas.microsoft.com/office/powerpoint/2012/main" xmlns:ahyp="http://schemas.microsoft.com/office/drawing/2018/hyperlinkcolor">
+    <mc:Fallback xmlns:ahyp="http://schemas.microsoft.com/office/drawing/2018/hyperlinkcolor" xmlns:p15="http://schemas.microsoft.com/office/powerpoint/2012/main" xmlns:com="http://schemas.openxmlformats.org/drawingml/2006/compatibility" xmlns:pvml="urn:schemas-microsoft-com:office:powerpoint" xmlns:v="urn:schemas-microsoft-com:vml" xmlns:o="urn:schemas-microsoft-com:office:office" xmlns:dgm="http://schemas.openxmlformats.org/drawingml/2006/diagram" xmlns:c="http://schemas.openxmlformats.org/drawingml/2006/chart" xmlns:mv="urn:schemas-microsoft-com:mac:vml" xmlns="">
       <p:transition spd="slow">
         <p:fade/>
       </p:transition>
@@ -4770,7 +4668,7 @@
         <p:fade/>
       </p:transition>
     </mc:Choice>
-    <mc:Fallback xmlns="" xmlns:mv="urn:schemas-microsoft-com:mac:vml" xmlns:c="http://schemas.openxmlformats.org/drawingml/2006/chart" xmlns:dgm="http://schemas.openxmlformats.org/drawingml/2006/diagram" xmlns:o="urn:schemas-microsoft-com:office:office" xmlns:v="urn:schemas-microsoft-com:vml" xmlns:pvml="urn:schemas-microsoft-com:office:powerpoint" xmlns:com="http://schemas.openxmlformats.org/drawingml/2006/compatibility" xmlns:p15="http://schemas.microsoft.com/office/powerpoint/2012/main" xmlns:ahyp="http://schemas.microsoft.com/office/drawing/2018/hyperlinkcolor">
+    <mc:Fallback xmlns:ahyp="http://schemas.microsoft.com/office/drawing/2018/hyperlinkcolor" xmlns:p15="http://schemas.microsoft.com/office/powerpoint/2012/main" xmlns:com="http://schemas.openxmlformats.org/drawingml/2006/compatibility" xmlns:pvml="urn:schemas-microsoft-com:office:powerpoint" xmlns:v="urn:schemas-microsoft-com:vml" xmlns:o="urn:schemas-microsoft-com:office:office" xmlns:dgm="http://schemas.openxmlformats.org/drawingml/2006/diagram" xmlns:c="http://schemas.openxmlformats.org/drawingml/2006/chart" xmlns:mv="urn:schemas-microsoft-com:mac:vml" xmlns="">
       <p:transition spd="slow">
         <p:fade/>
       </p:transition>
@@ -5217,7 +5115,7 @@
         <p:fade/>
       </p:transition>
     </mc:Choice>
-    <mc:Fallback xmlns="" xmlns:mv="urn:schemas-microsoft-com:mac:vml" xmlns:c="http://schemas.openxmlformats.org/drawingml/2006/chart" xmlns:dgm="http://schemas.openxmlformats.org/drawingml/2006/diagram" xmlns:o="urn:schemas-microsoft-com:office:office" xmlns:v="urn:schemas-microsoft-com:vml" xmlns:pvml="urn:schemas-microsoft-com:office:powerpoint" xmlns:com="http://schemas.openxmlformats.org/drawingml/2006/compatibility" xmlns:p15="http://schemas.microsoft.com/office/powerpoint/2012/main" xmlns:ahyp="http://schemas.microsoft.com/office/drawing/2018/hyperlinkcolor">
+    <mc:Fallback xmlns:ahyp="http://schemas.microsoft.com/office/drawing/2018/hyperlinkcolor" xmlns:p15="http://schemas.microsoft.com/office/powerpoint/2012/main" xmlns:com="http://schemas.openxmlformats.org/drawingml/2006/compatibility" xmlns:pvml="urn:schemas-microsoft-com:office:powerpoint" xmlns:v="urn:schemas-microsoft-com:vml" xmlns:o="urn:schemas-microsoft-com:office:office" xmlns:dgm="http://schemas.openxmlformats.org/drawingml/2006/diagram" xmlns:c="http://schemas.openxmlformats.org/drawingml/2006/chart" xmlns:mv="urn:schemas-microsoft-com:mac:vml" xmlns="">
       <p:transition spd="slow">
         <p:fade/>
       </p:transition>
@@ -6067,8 +5965,8 @@
         </p:blipFill>
         <p:spPr>
           <a:xfrm>
-            <a:off x="1669550" y="507650"/>
-            <a:ext cx="6369225" cy="3362950"/>
+            <a:off x="356616" y="352202"/>
+            <a:ext cx="8271509" cy="3972910"/>
           </a:xfrm>
           <a:prstGeom prst="rect">
             <a:avLst/>
@@ -6088,6 +5986,292 @@
 </file>
 
 <file path=ppt/slides/slide10.xml><?xml version="1.0" encoding="utf-8"?>
+<p:sld xmlns:a="http://schemas.openxmlformats.org/drawingml/2006/main" xmlns:r="http://schemas.openxmlformats.org/officeDocument/2006/relationships" xmlns:p="http://schemas.openxmlformats.org/presentationml/2006/main">
+  <p:cSld>
+    <p:spTree>
+      <p:nvGrpSpPr>
+        <p:cNvPr id="1" name="Shape 115"/>
+        <p:cNvGrpSpPr/>
+        <p:nvPr/>
+      </p:nvGrpSpPr>
+      <p:grpSpPr>
+        <a:xfrm>
+          <a:off x="0" y="0"/>
+          <a:ext cx="0" cy="0"/>
+          <a:chOff x="0" y="0"/>
+          <a:chExt cx="0" cy="0"/>
+        </a:xfrm>
+      </p:grpSpPr>
+      <p:sp>
+        <p:nvSpPr>
+          <p:cNvPr id="116" name="Google Shape;116;p25"/>
+          <p:cNvSpPr txBox="1">
+            <a:spLocks noGrp="1"/>
+          </p:cNvSpPr>
+          <p:nvPr>
+            <p:ph type="title"/>
+          </p:nvPr>
+        </p:nvSpPr>
+        <p:spPr>
+          <a:xfrm>
+            <a:off x="633413" y="133350"/>
+            <a:ext cx="7877100" cy="857400"/>
+          </a:xfrm>
+          <a:prstGeom prst="rect">
+            <a:avLst/>
+          </a:prstGeom>
+        </p:spPr>
+        <p:txBody>
+          <a:bodyPr spcFirstLastPara="1" wrap="square" lIns="19050" tIns="19050" rIns="19050" bIns="19050" anchor="ctr" anchorCtr="0">
+            <a:noAutofit/>
+          </a:bodyPr>
+          <a:lstStyle/>
+          <a:p>
+            <a:pPr marL="0" lvl="0" indent="0" algn="ctr" rtl="0">
+              <a:spcBef>
+                <a:spcPts val="0"/>
+              </a:spcBef>
+              <a:spcAft>
+                <a:spcPts val="0"/>
+              </a:spcAft>
+              <a:buNone/>
+            </a:pPr>
+            <a:r>
+              <a:rPr lang="en" sz="2100">
+                <a:latin typeface="Arial"/>
+                <a:ea typeface="Arial"/>
+                <a:cs typeface="Arial"/>
+                <a:sym typeface="Arial"/>
+              </a:rPr>
+              <a:t>Different levels of ERD</a:t>
+            </a:r>
+            <a:endParaRPr sz="2100">
+              <a:latin typeface="Arial"/>
+              <a:ea typeface="Arial"/>
+              <a:cs typeface="Arial"/>
+              <a:sym typeface="Arial"/>
+            </a:endParaRPr>
+          </a:p>
+        </p:txBody>
+      </p:sp>
+      <p:sp>
+        <p:nvSpPr>
+          <p:cNvPr id="117" name="Google Shape;117;p25"/>
+          <p:cNvSpPr txBox="1"/>
+          <p:nvPr/>
+        </p:nvSpPr>
+        <p:spPr>
+          <a:xfrm>
+            <a:off x="1083925" y="934700"/>
+            <a:ext cx="6431400" cy="2154900"/>
+          </a:xfrm>
+          <a:prstGeom prst="rect">
+            <a:avLst/>
+          </a:prstGeom>
+          <a:noFill/>
+          <a:ln>
+            <a:noFill/>
+          </a:ln>
+        </p:spPr>
+        <p:txBody>
+          <a:bodyPr spcFirstLastPara="1" wrap="square" lIns="91425" tIns="91425" rIns="91425" bIns="91425" anchor="t" anchorCtr="0">
+            <a:spAutoFit/>
+          </a:bodyPr>
+          <a:lstStyle/>
+          <a:p>
+            <a:pPr marL="0" lvl="0" indent="0" algn="l" rtl="0">
+              <a:spcBef>
+                <a:spcPts val="0"/>
+              </a:spcBef>
+              <a:spcAft>
+                <a:spcPts val="0"/>
+              </a:spcAft>
+              <a:buNone/>
+            </a:pPr>
+            <a:endParaRPr sz="1600"/>
+          </a:p>
+          <a:p>
+            <a:pPr marL="0" lvl="0" indent="0" algn="l" rtl="0">
+              <a:spcBef>
+                <a:spcPts val="0"/>
+              </a:spcBef>
+              <a:spcAft>
+                <a:spcPts val="0"/>
+              </a:spcAft>
+              <a:buNone/>
+            </a:pPr>
+            <a:r>
+              <a:rPr lang="en" sz="1600" u="sng"/>
+              <a:t>Logical Data Model</a:t>
+            </a:r>
+            <a:r>
+              <a:rPr lang="en" sz="1600"/>
+              <a:t> - includes attributes </a:t>
+            </a:r>
+            <a:endParaRPr sz="1600" u="sng"/>
+          </a:p>
+          <a:p>
+            <a:pPr marL="0" lvl="0" indent="0" algn="l" rtl="0">
+              <a:spcBef>
+                <a:spcPts val="0"/>
+              </a:spcBef>
+              <a:spcAft>
+                <a:spcPts val="0"/>
+              </a:spcAft>
+              <a:buNone/>
+            </a:pPr>
+            <a:endParaRPr sz="1600"/>
+          </a:p>
+          <a:p>
+            <a:pPr marL="0" lvl="0" indent="0" algn="l" rtl="0">
+              <a:spcBef>
+                <a:spcPts val="0"/>
+              </a:spcBef>
+              <a:spcAft>
+                <a:spcPts val="0"/>
+              </a:spcAft>
+              <a:buNone/>
+            </a:pPr>
+            <a:endParaRPr sz="1600"/>
+          </a:p>
+          <a:p>
+            <a:pPr marL="0" lvl="0" indent="0" algn="l" rtl="0">
+              <a:spcBef>
+                <a:spcPts val="0"/>
+              </a:spcBef>
+              <a:spcAft>
+                <a:spcPts val="0"/>
+              </a:spcAft>
+              <a:buNone/>
+            </a:pPr>
+            <a:endParaRPr sz="1600"/>
+          </a:p>
+          <a:p>
+            <a:pPr marL="0" lvl="0" indent="0" algn="l" rtl="0">
+              <a:spcBef>
+                <a:spcPts val="0"/>
+              </a:spcBef>
+              <a:spcAft>
+                <a:spcPts val="0"/>
+              </a:spcAft>
+              <a:buNone/>
+            </a:pPr>
+            <a:endParaRPr sz="1600"/>
+          </a:p>
+          <a:p>
+            <a:pPr marL="0" lvl="0" indent="0" algn="l" rtl="0">
+              <a:spcBef>
+                <a:spcPts val="0"/>
+              </a:spcBef>
+              <a:spcAft>
+                <a:spcPts val="0"/>
+              </a:spcAft>
+              <a:buNone/>
+            </a:pPr>
+            <a:endParaRPr sz="1600"/>
+          </a:p>
+          <a:p>
+            <a:pPr marL="0" lvl="0" indent="0" algn="l" rtl="0">
+              <a:spcBef>
+                <a:spcPts val="0"/>
+              </a:spcBef>
+              <a:spcAft>
+                <a:spcPts val="0"/>
+              </a:spcAft>
+              <a:buNone/>
+            </a:pPr>
+            <a:endParaRPr sz="1600"/>
+          </a:p>
+        </p:txBody>
+      </p:sp>
+      <p:pic>
+        <p:nvPicPr>
+          <p:cNvPr id="118" name="Google Shape;118;p25"/>
+          <p:cNvPicPr preferRelativeResize="0"/>
+          <p:nvPr/>
+        </p:nvPicPr>
+        <p:blipFill>
+          <a:blip r:embed="rId3">
+            <a:alphaModFix/>
+          </a:blip>
+          <a:stretch>
+            <a:fillRect/>
+          </a:stretch>
+        </p:blipFill>
+        <p:spPr>
+          <a:xfrm>
+            <a:off x="1287650" y="1910150"/>
+            <a:ext cx="5386350" cy="1749100"/>
+          </a:xfrm>
+          <a:prstGeom prst="rect">
+            <a:avLst/>
+          </a:prstGeom>
+          <a:noFill/>
+          <a:ln>
+            <a:noFill/>
+          </a:ln>
+        </p:spPr>
+      </p:pic>
+      <p:sp>
+        <p:nvSpPr>
+          <p:cNvPr id="119" name="Google Shape;119;p25"/>
+          <p:cNvSpPr txBox="1"/>
+          <p:nvPr/>
+        </p:nvSpPr>
+        <p:spPr>
+          <a:xfrm>
+            <a:off x="7741675" y="4196375"/>
+            <a:ext cx="1300200" cy="354000"/>
+          </a:xfrm>
+          <a:prstGeom prst="rect">
+            <a:avLst/>
+          </a:prstGeom>
+          <a:noFill/>
+          <a:ln>
+            <a:noFill/>
+          </a:ln>
+        </p:spPr>
+        <p:txBody>
+          <a:bodyPr spcFirstLastPara="1" wrap="square" lIns="91425" tIns="91425" rIns="91425" bIns="91425" anchor="t" anchorCtr="0">
+            <a:spAutoFit/>
+          </a:bodyPr>
+          <a:lstStyle/>
+          <a:p>
+            <a:pPr marL="0" lvl="0" indent="0" algn="l" rtl="0">
+              <a:spcBef>
+                <a:spcPts val="0"/>
+              </a:spcBef>
+              <a:spcAft>
+                <a:spcPts val="0"/>
+              </a:spcAft>
+              <a:buNone/>
+            </a:pPr>
+            <a:r>
+              <a:rPr lang="en" sz="1100" u="sng">
+                <a:solidFill>
+                  <a:schemeClr val="hlink"/>
+                </a:solidFill>
+                <a:hlinkClick r:id="rId4"/>
+              </a:rPr>
+              <a:t>Image Source</a:t>
+            </a:r>
+            <a:endParaRPr sz="1100">
+              <a:solidFill>
+                <a:schemeClr val="accent1"/>
+              </a:solidFill>
+            </a:endParaRPr>
+          </a:p>
+        </p:txBody>
+      </p:sp>
+    </p:spTree>
+  </p:cSld>
+  <p:clrMapOvr>
+    <a:masterClrMapping/>
+  </p:clrMapOvr>
+</p:sld>
+</file>
+
+<file path=ppt/slides/slide11.xml><?xml version="1.0" encoding="utf-8"?>
 <p:sld xmlns:a="http://schemas.openxmlformats.org/drawingml/2006/main" xmlns:r="http://schemas.openxmlformats.org/officeDocument/2006/relationships" xmlns:p="http://schemas.openxmlformats.org/presentationml/2006/main">
   <p:cSld>
     <p:spTree>
@@ -6289,7 +6473,7 @@
 </p:sld>
 </file>
 
-<file path=ppt/slides/slide11.xml><?xml version="1.0" encoding="utf-8"?>
+<file path=ppt/slides/slide12.xml><?xml version="1.0" encoding="utf-8"?>
 <p:sld xmlns:a="http://schemas.openxmlformats.org/drawingml/2006/main" xmlns:r="http://schemas.openxmlformats.org/officeDocument/2006/relationships" xmlns:p="http://schemas.openxmlformats.org/presentationml/2006/main">
   <p:cSld>
     <p:spTree>
@@ -6907,7 +7091,7 @@
 </p:sld>
 </file>
 
-<file path=ppt/slides/slide12.xml><?xml version="1.0" encoding="utf-8"?>
+<file path=ppt/slides/slide13.xml><?xml version="1.0" encoding="utf-8"?>
 <p:sld xmlns:a="http://schemas.openxmlformats.org/drawingml/2006/main" xmlns:r="http://schemas.openxmlformats.org/officeDocument/2006/relationships" xmlns:p="http://schemas.openxmlformats.org/presentationml/2006/main">
   <p:cSld>
     <p:spTree>
@@ -7255,508 +7439,6 @@
               <a:buNone/>
             </a:pPr>
             <a:endParaRPr/>
-          </a:p>
-        </p:txBody>
-      </p:sp>
-    </p:spTree>
-  </p:cSld>
-  <p:clrMapOvr>
-    <a:masterClrMapping/>
-  </p:clrMapOvr>
-</p:sld>
-</file>
-
-<file path=ppt/slides/slide13.xml><?xml version="1.0" encoding="utf-8"?>
-<p:sld xmlns:a="http://schemas.openxmlformats.org/drawingml/2006/main" xmlns:r="http://schemas.openxmlformats.org/officeDocument/2006/relationships" xmlns:p="http://schemas.openxmlformats.org/presentationml/2006/main">
-  <p:cSld>
-    <p:spTree>
-      <p:nvGrpSpPr>
-        <p:cNvPr id="1" name="Shape 153"/>
-        <p:cNvGrpSpPr/>
-        <p:nvPr/>
-      </p:nvGrpSpPr>
-      <p:grpSpPr>
-        <a:xfrm>
-          <a:off x="0" y="0"/>
-          <a:ext cx="0" cy="0"/>
-          <a:chOff x="0" y="0"/>
-          <a:chExt cx="0" cy="0"/>
-        </a:xfrm>
-      </p:grpSpPr>
-      <p:sp>
-        <p:nvSpPr>
-          <p:cNvPr id="154" name="Google Shape;154;p29"/>
-          <p:cNvSpPr txBox="1">
-            <a:spLocks noGrp="1"/>
-          </p:cNvSpPr>
-          <p:nvPr>
-            <p:ph type="title"/>
-          </p:nvPr>
-        </p:nvSpPr>
-        <p:spPr>
-          <a:xfrm>
-            <a:off x="633413" y="133350"/>
-            <a:ext cx="7877100" cy="857400"/>
-          </a:xfrm>
-          <a:prstGeom prst="rect">
-            <a:avLst/>
-          </a:prstGeom>
-        </p:spPr>
-        <p:txBody>
-          <a:bodyPr spcFirstLastPara="1" wrap="square" lIns="19050" tIns="19050" rIns="19050" bIns="19050" anchor="ctr" anchorCtr="0">
-            <a:noAutofit/>
-          </a:bodyPr>
-          <a:lstStyle/>
-          <a:p>
-            <a:pPr marL="0" lvl="0" indent="0" algn="ctr" rtl="0">
-              <a:spcBef>
-                <a:spcPts val="0"/>
-              </a:spcBef>
-              <a:spcAft>
-                <a:spcPts val="0"/>
-              </a:spcAft>
-              <a:buNone/>
-            </a:pPr>
-            <a:r>
-              <a:rPr lang="en" sz="2100">
-                <a:latin typeface="Arial"/>
-                <a:ea typeface="Arial"/>
-                <a:cs typeface="Arial"/>
-                <a:sym typeface="Arial"/>
-              </a:rPr>
-              <a:t>How to Display a Table from a SQL Database</a:t>
-            </a:r>
-            <a:endParaRPr sz="2100">
-              <a:latin typeface="Arial"/>
-              <a:ea typeface="Arial"/>
-              <a:cs typeface="Arial"/>
-              <a:sym typeface="Arial"/>
-            </a:endParaRPr>
-          </a:p>
-        </p:txBody>
-      </p:sp>
-      <p:sp>
-        <p:nvSpPr>
-          <p:cNvPr id="155" name="Google Shape;155;p29"/>
-          <p:cNvSpPr txBox="1"/>
-          <p:nvPr/>
-        </p:nvSpPr>
-        <p:spPr>
-          <a:xfrm>
-            <a:off x="678000" y="1811750"/>
-            <a:ext cx="8016600" cy="2256000"/>
-          </a:xfrm>
-          <a:prstGeom prst="rect">
-            <a:avLst/>
-          </a:prstGeom>
-          <a:noFill/>
-          <a:ln>
-            <a:noFill/>
-          </a:ln>
-        </p:spPr>
-        <p:txBody>
-          <a:bodyPr spcFirstLastPara="1" wrap="square" lIns="91425" tIns="91425" rIns="91425" bIns="91425" anchor="t" anchorCtr="0">
-            <a:spAutoFit/>
-          </a:bodyPr>
-          <a:lstStyle/>
-          <a:p>
-            <a:pPr marL="0" lvl="0" indent="0" algn="l" rtl="0">
-              <a:spcBef>
-                <a:spcPts val="0"/>
-              </a:spcBef>
-              <a:spcAft>
-                <a:spcPts val="0"/>
-              </a:spcAft>
-              <a:buNone/>
-            </a:pPr>
-            <a:r>
-              <a:rPr lang="en" b="1"/>
-              <a:t>SELECT  </a:t>
-            </a:r>
-            <a:r>
-              <a:rPr lang="en"/>
-              <a:t>-  select the data from the database and display the result based on the condition</a:t>
-            </a:r>
-            <a:endParaRPr/>
-          </a:p>
-          <a:p>
-            <a:pPr marL="0" lvl="0" indent="0" algn="l" rtl="0">
-              <a:spcBef>
-                <a:spcPts val="0"/>
-              </a:spcBef>
-              <a:spcAft>
-                <a:spcPts val="0"/>
-              </a:spcAft>
-              <a:buNone/>
-            </a:pPr>
-            <a:endParaRPr/>
-          </a:p>
-          <a:p>
-            <a:pPr marL="457200" lvl="0" indent="-301625" algn="l" rtl="0">
-              <a:lnSpc>
-                <a:spcPct val="115000"/>
-              </a:lnSpc>
-              <a:spcBef>
-                <a:spcPts val="0"/>
-              </a:spcBef>
-              <a:spcAft>
-                <a:spcPts val="0"/>
-              </a:spcAft>
-              <a:buSzPts val="1150"/>
-              <a:buFont typeface="Courier New"/>
-              <a:buChar char="●"/>
-            </a:pPr>
-            <a:r>
-              <a:rPr lang="en" sz="1150">
-                <a:solidFill>
-                  <a:srgbClr val="0000CD"/>
-                </a:solidFill>
-                <a:highlight>
-                  <a:srgbClr val="FFFFFF"/>
-                </a:highlight>
-                <a:latin typeface="Courier New"/>
-                <a:ea typeface="Courier New"/>
-                <a:cs typeface="Courier New"/>
-                <a:sym typeface="Courier New"/>
-              </a:rPr>
-              <a:t>SELECT * </a:t>
-            </a:r>
-            <a:endParaRPr sz="1150">
-              <a:solidFill>
-                <a:srgbClr val="0000CD"/>
-              </a:solidFill>
-              <a:highlight>
-                <a:srgbClr val="FFFFFF"/>
-              </a:highlight>
-              <a:latin typeface="Courier New"/>
-              <a:ea typeface="Courier New"/>
-              <a:cs typeface="Courier New"/>
-              <a:sym typeface="Courier New"/>
-            </a:endParaRPr>
-          </a:p>
-          <a:p>
-            <a:pPr marL="457200" lvl="0" indent="0" algn="l" rtl="0">
-              <a:lnSpc>
-                <a:spcPct val="115000"/>
-              </a:lnSpc>
-              <a:spcBef>
-                <a:spcPts val="0"/>
-              </a:spcBef>
-              <a:spcAft>
-                <a:spcPts val="0"/>
-              </a:spcAft>
-              <a:buNone/>
-            </a:pPr>
-            <a:r>
-              <a:rPr lang="en" sz="1150">
-                <a:solidFill>
-                  <a:srgbClr val="0000CD"/>
-                </a:solidFill>
-                <a:highlight>
-                  <a:srgbClr val="FFFFFF"/>
-                </a:highlight>
-                <a:latin typeface="Courier New"/>
-                <a:ea typeface="Courier New"/>
-                <a:cs typeface="Courier New"/>
-                <a:sym typeface="Courier New"/>
-              </a:rPr>
-              <a:t>FROM</a:t>
-            </a:r>
-            <a:r>
-              <a:rPr lang="en" sz="1150">
-                <a:highlight>
-                  <a:srgbClr val="FFFFFF"/>
-                </a:highlight>
-                <a:latin typeface="Courier New"/>
-                <a:ea typeface="Courier New"/>
-                <a:cs typeface="Courier New"/>
-                <a:sym typeface="Courier New"/>
-              </a:rPr>
-              <a:t> </a:t>
-            </a:r>
-            <a:r>
-              <a:rPr lang="en" sz="1150" i="1">
-                <a:highlight>
-                  <a:srgbClr val="FFFFFF"/>
-                </a:highlight>
-                <a:latin typeface="Courier New"/>
-                <a:ea typeface="Courier New"/>
-                <a:cs typeface="Courier New"/>
-                <a:sym typeface="Courier New"/>
-              </a:rPr>
-              <a:t>table_name; </a:t>
-            </a:r>
-            <a:endParaRPr sz="1150" i="1">
-              <a:highlight>
-                <a:srgbClr val="FFFFFF"/>
-              </a:highlight>
-              <a:latin typeface="Courier New"/>
-              <a:ea typeface="Courier New"/>
-              <a:cs typeface="Courier New"/>
-              <a:sym typeface="Courier New"/>
-            </a:endParaRPr>
-          </a:p>
-          <a:p>
-            <a:pPr marL="914400" lvl="1" indent="-301625" algn="l" rtl="0">
-              <a:lnSpc>
-                <a:spcPct val="115000"/>
-              </a:lnSpc>
-              <a:spcBef>
-                <a:spcPts val="0"/>
-              </a:spcBef>
-              <a:spcAft>
-                <a:spcPts val="0"/>
-              </a:spcAft>
-              <a:buSzPts val="1150"/>
-              <a:buFont typeface="Courier New"/>
-              <a:buChar char="○"/>
-            </a:pPr>
-            <a:r>
-              <a:rPr lang="en" sz="1150">
-                <a:highlight>
-                  <a:srgbClr val="FFFFFF"/>
-                </a:highlight>
-                <a:latin typeface="Courier New"/>
-                <a:ea typeface="Courier New"/>
-                <a:cs typeface="Courier New"/>
-                <a:sym typeface="Courier New"/>
-              </a:rPr>
-              <a:t>Select all the columns from the table_name and display </a:t>
-            </a:r>
-            <a:endParaRPr sz="1150">
-              <a:highlight>
-                <a:srgbClr val="FFFFFF"/>
-              </a:highlight>
-              <a:latin typeface="Courier New"/>
-              <a:ea typeface="Courier New"/>
-              <a:cs typeface="Courier New"/>
-              <a:sym typeface="Courier New"/>
-            </a:endParaRPr>
-          </a:p>
-          <a:p>
-            <a:pPr marL="0" lvl="0" indent="0" algn="l" rtl="0">
-              <a:lnSpc>
-                <a:spcPct val="115000"/>
-              </a:lnSpc>
-              <a:spcBef>
-                <a:spcPts val="0"/>
-              </a:spcBef>
-              <a:spcAft>
-                <a:spcPts val="0"/>
-              </a:spcAft>
-              <a:buNone/>
-            </a:pPr>
-            <a:endParaRPr sz="1150">
-              <a:highlight>
-                <a:srgbClr val="FFFFFF"/>
-              </a:highlight>
-              <a:latin typeface="Courier New"/>
-              <a:ea typeface="Courier New"/>
-              <a:cs typeface="Courier New"/>
-              <a:sym typeface="Courier New"/>
-            </a:endParaRPr>
-          </a:p>
-          <a:p>
-            <a:pPr marL="457200" lvl="0" indent="-301625" algn="l" rtl="0">
-              <a:lnSpc>
-                <a:spcPct val="115000"/>
-              </a:lnSpc>
-              <a:spcBef>
-                <a:spcPts val="0"/>
-              </a:spcBef>
-              <a:spcAft>
-                <a:spcPts val="0"/>
-              </a:spcAft>
-              <a:buSzPts val="1150"/>
-              <a:buFont typeface="Courier New"/>
-              <a:buChar char="●"/>
-            </a:pPr>
-            <a:r>
-              <a:rPr lang="en" sz="1150">
-                <a:solidFill>
-                  <a:srgbClr val="0000CD"/>
-                </a:solidFill>
-                <a:highlight>
-                  <a:srgbClr val="FFFFFF"/>
-                </a:highlight>
-                <a:latin typeface="Courier New"/>
-                <a:ea typeface="Courier New"/>
-                <a:cs typeface="Courier New"/>
-                <a:sym typeface="Courier New"/>
-              </a:rPr>
-              <a:t>SELECT col1, col2, …</a:t>
-            </a:r>
-            <a:endParaRPr sz="1150">
-              <a:solidFill>
-                <a:srgbClr val="0000CD"/>
-              </a:solidFill>
-              <a:highlight>
-                <a:srgbClr val="FFFFFF"/>
-              </a:highlight>
-              <a:latin typeface="Courier New"/>
-              <a:ea typeface="Courier New"/>
-              <a:cs typeface="Courier New"/>
-              <a:sym typeface="Courier New"/>
-            </a:endParaRPr>
-          </a:p>
-          <a:p>
-            <a:pPr marL="457200" lvl="0" indent="0" algn="l" rtl="0">
-              <a:lnSpc>
-                <a:spcPct val="115000"/>
-              </a:lnSpc>
-              <a:spcBef>
-                <a:spcPts val="0"/>
-              </a:spcBef>
-              <a:spcAft>
-                <a:spcPts val="0"/>
-              </a:spcAft>
-              <a:buNone/>
-            </a:pPr>
-            <a:r>
-              <a:rPr lang="en" sz="1150">
-                <a:solidFill>
-                  <a:srgbClr val="0000CD"/>
-                </a:solidFill>
-                <a:highlight>
-                  <a:srgbClr val="FFFFFF"/>
-                </a:highlight>
-                <a:latin typeface="Courier New"/>
-                <a:ea typeface="Courier New"/>
-                <a:cs typeface="Courier New"/>
-                <a:sym typeface="Courier New"/>
-              </a:rPr>
-              <a:t>FROM</a:t>
-            </a:r>
-            <a:r>
-              <a:rPr lang="en" sz="1150">
-                <a:highlight>
-                  <a:srgbClr val="FFFFFF"/>
-                </a:highlight>
-                <a:latin typeface="Courier New"/>
-                <a:ea typeface="Courier New"/>
-                <a:cs typeface="Courier New"/>
-                <a:sym typeface="Courier New"/>
-              </a:rPr>
-              <a:t> </a:t>
-            </a:r>
-            <a:r>
-              <a:rPr lang="en" sz="1150" i="1">
-                <a:highlight>
-                  <a:srgbClr val="FFFFFF"/>
-                </a:highlight>
-                <a:latin typeface="Courier New"/>
-                <a:ea typeface="Courier New"/>
-                <a:cs typeface="Courier New"/>
-                <a:sym typeface="Courier New"/>
-              </a:rPr>
-              <a:t>table_name; </a:t>
-            </a:r>
-            <a:endParaRPr sz="1150" i="1">
-              <a:highlight>
-                <a:srgbClr val="FFFFFF"/>
-              </a:highlight>
-              <a:latin typeface="Courier New"/>
-              <a:ea typeface="Courier New"/>
-              <a:cs typeface="Courier New"/>
-              <a:sym typeface="Courier New"/>
-            </a:endParaRPr>
-          </a:p>
-          <a:p>
-            <a:pPr marL="914400" lvl="1" indent="-301625" algn="l" rtl="0">
-              <a:lnSpc>
-                <a:spcPct val="115000"/>
-              </a:lnSpc>
-              <a:spcBef>
-                <a:spcPts val="0"/>
-              </a:spcBef>
-              <a:spcAft>
-                <a:spcPts val="0"/>
-              </a:spcAft>
-              <a:buSzPts val="1150"/>
-              <a:buFont typeface="Courier New"/>
-              <a:buChar char="○"/>
-            </a:pPr>
-            <a:r>
-              <a:rPr lang="en" sz="1150">
-                <a:highlight>
-                  <a:srgbClr val="FFFFFF"/>
-                </a:highlight>
-                <a:latin typeface="Courier New"/>
-                <a:ea typeface="Courier New"/>
-                <a:cs typeface="Courier New"/>
-                <a:sym typeface="Courier New"/>
-              </a:rPr>
-              <a:t>Select col1, col2, … from the table_name and display </a:t>
-            </a:r>
-            <a:endParaRPr sz="1150">
-              <a:highlight>
-                <a:srgbClr val="FFFFFF"/>
-              </a:highlight>
-              <a:latin typeface="Courier New"/>
-              <a:ea typeface="Courier New"/>
-              <a:cs typeface="Courier New"/>
-              <a:sym typeface="Courier New"/>
-            </a:endParaRPr>
-          </a:p>
-          <a:p>
-            <a:pPr marL="0" lvl="0" indent="0" algn="l" rtl="0">
-              <a:spcBef>
-                <a:spcPts val="0"/>
-              </a:spcBef>
-              <a:spcAft>
-                <a:spcPts val="0"/>
-              </a:spcAft>
-              <a:buNone/>
-            </a:pPr>
-            <a:endParaRPr/>
-          </a:p>
-        </p:txBody>
-      </p:sp>
-      <p:sp>
-        <p:nvSpPr>
-          <p:cNvPr id="156" name="Google Shape;156;p29"/>
-          <p:cNvSpPr txBox="1"/>
-          <p:nvPr/>
-        </p:nvSpPr>
-        <p:spPr>
-          <a:xfrm>
-            <a:off x="1002000" y="1039500"/>
-            <a:ext cx="7140000" cy="615600"/>
-          </a:xfrm>
-          <a:prstGeom prst="rect">
-            <a:avLst/>
-          </a:prstGeom>
-          <a:noFill/>
-          <a:ln w="9525" cap="flat" cmpd="sng">
-            <a:solidFill>
-              <a:srgbClr val="000000"/>
-            </a:solidFill>
-            <a:prstDash val="solid"/>
-            <a:round/>
-            <a:headEnd type="none" w="sm" len="sm"/>
-            <a:tailEnd type="none" w="sm" len="sm"/>
-          </a:ln>
-        </p:spPr>
-        <p:txBody>
-          <a:bodyPr spcFirstLastPara="1" wrap="square" lIns="91425" tIns="91425" rIns="91425" bIns="91425" anchor="t" anchorCtr="0">
-            <a:spAutoFit/>
-          </a:bodyPr>
-          <a:lstStyle/>
-          <a:p>
-            <a:pPr marL="0" lvl="0" indent="0" algn="l" rtl="0">
-              <a:spcBef>
-                <a:spcPts val="0"/>
-              </a:spcBef>
-              <a:spcAft>
-                <a:spcPts val="0"/>
-              </a:spcAft>
-              <a:buNone/>
-            </a:pPr>
-            <a:r>
-              <a:rPr lang="en" b="1"/>
-              <a:t>SQL is a ‘Query’ language that allows users to retrieve, add, or manipulate data on a SQL server.</a:t>
-            </a:r>
-            <a:endParaRPr b="1"/>
           </a:p>
         </p:txBody>
       </p:sp>
@@ -7820,7 +7502,7 @@
               <a:buNone/>
             </a:pPr>
             <a:r>
-              <a:rPr lang="en" b="1">
+              <a:rPr lang="en" b="1" dirty="0">
                 <a:latin typeface="Open Sans"/>
                 <a:ea typeface="Open Sans"/>
                 <a:cs typeface="Open Sans"/>
@@ -7828,7 +7510,7 @@
               </a:rPr>
               <a:t>Knowledge Check: </a:t>
             </a:r>
-            <a:endParaRPr b="1">
+            <a:endParaRPr b="1" dirty="0">
               <a:latin typeface="Open Sans"/>
               <a:ea typeface="Open Sans"/>
               <a:cs typeface="Open Sans"/>
@@ -7846,7 +7528,7 @@
               <a:buNone/>
             </a:pPr>
             <a:r>
-              <a:rPr lang="en" b="1">
+              <a:rPr lang="en" b="1" dirty="0">
                 <a:latin typeface="Open Sans"/>
                 <a:ea typeface="Open Sans"/>
                 <a:cs typeface="Open Sans"/>
@@ -7854,45 +7536,12 @@
               </a:rPr>
               <a:t>Relational Database Poll</a:t>
             </a:r>
-            <a:endParaRPr b="1">
+            <a:endParaRPr b="1" dirty="0">
               <a:latin typeface="Open Sans"/>
               <a:ea typeface="Open Sans"/>
               <a:cs typeface="Open Sans"/>
               <a:sym typeface="Open Sans"/>
             </a:endParaRPr>
-          </a:p>
-          <a:p>
-            <a:pPr marL="0" lvl="0" indent="0" algn="ctr" rtl="0">
-              <a:spcBef>
-                <a:spcPts val="0"/>
-              </a:spcBef>
-              <a:spcAft>
-                <a:spcPts val="0"/>
-              </a:spcAft>
-              <a:buNone/>
-            </a:pPr>
-            <a:endParaRPr b="1">
-              <a:latin typeface="Open Sans"/>
-              <a:ea typeface="Open Sans"/>
-              <a:cs typeface="Open Sans"/>
-              <a:sym typeface="Open Sans"/>
-            </a:endParaRPr>
-          </a:p>
-          <a:p>
-            <a:pPr marL="0" lvl="0" indent="0" algn="ctr" rtl="0">
-              <a:spcBef>
-                <a:spcPts val="0"/>
-              </a:spcBef>
-              <a:spcAft>
-                <a:spcPts val="0"/>
-              </a:spcAft>
-              <a:buNone/>
-            </a:pPr>
-            <a:r>
-              <a:rPr lang="en"/>
-              <a:t>How can you retrieve data from multiple tables in one query?</a:t>
-            </a:r>
-            <a:endParaRPr/>
           </a:p>
         </p:txBody>
       </p:sp>
@@ -7905,6 +7554,586 @@
 </file>
 
 <file path=ppt/slides/slide15.xml><?xml version="1.0" encoding="utf-8"?>
+<p:sld xmlns:a="http://schemas.openxmlformats.org/drawingml/2006/main" xmlns:r="http://schemas.openxmlformats.org/officeDocument/2006/relationships" xmlns:p="http://schemas.openxmlformats.org/presentationml/2006/main">
+  <p:cSld>
+    <p:spTree>
+      <p:nvGrpSpPr>
+        <p:cNvPr id="1" name=""/>
+        <p:cNvGrpSpPr/>
+        <p:nvPr/>
+      </p:nvGrpSpPr>
+      <p:grpSpPr>
+        <a:xfrm>
+          <a:off x="0" y="0"/>
+          <a:ext cx="0" cy="0"/>
+          <a:chOff x="0" y="0"/>
+          <a:chExt cx="0" cy="0"/>
+        </a:xfrm>
+      </p:grpSpPr>
+      <p:sp>
+        <p:nvSpPr>
+          <p:cNvPr id="2" name="TextBox 1">
+            <a:extLst>
+              <a:ext uri="{FF2B5EF4-FFF2-40B4-BE49-F238E27FC236}">
+                <a16:creationId xmlns:a16="http://schemas.microsoft.com/office/drawing/2014/main" id="{249061C6-4C43-D8B5-916D-0D271EC19337}"/>
+              </a:ext>
+            </a:extLst>
+          </p:cNvPr>
+          <p:cNvSpPr txBox="1"/>
+          <p:nvPr/>
+        </p:nvSpPr>
+        <p:spPr>
+          <a:xfrm>
+            <a:off x="2121408" y="2156251"/>
+            <a:ext cx="4517136" cy="830997"/>
+          </a:xfrm>
+          <a:prstGeom prst="rect">
+            <a:avLst/>
+          </a:prstGeom>
+          <a:noFill/>
+        </p:spPr>
+        <p:txBody>
+          <a:bodyPr wrap="square" rtlCol="0">
+            <a:spAutoFit/>
+          </a:bodyPr>
+          <a:lstStyle/>
+          <a:p>
+            <a:pPr algn="ctr"/>
+            <a:r>
+              <a:rPr lang="en-US" sz="4800" dirty="0"/>
+              <a:t>SQL Queries</a:t>
+            </a:r>
+          </a:p>
+        </p:txBody>
+      </p:sp>
+    </p:spTree>
+    <p:extLst>
+      <p:ext uri="{BB962C8B-B14F-4D97-AF65-F5344CB8AC3E}">
+        <p14:creationId xmlns:p14="http://schemas.microsoft.com/office/powerpoint/2010/main" val="72229541"/>
+      </p:ext>
+    </p:extLst>
+  </p:cSld>
+  <p:clrMapOvr>
+    <a:masterClrMapping/>
+  </p:clrMapOvr>
+  <mc:AlternateContent xmlns:mc="http://schemas.openxmlformats.org/markup-compatibility/2006" xmlns:p14="http://schemas.microsoft.com/office/powerpoint/2010/main">
+    <mc:Choice Requires="p14">
+      <p:transition spd="med" p14:dur="700">
+        <p:fade/>
+      </p:transition>
+    </mc:Choice>
+    <mc:Fallback xmlns:ahyp="http://schemas.microsoft.com/office/drawing/2018/hyperlinkcolor" xmlns:p15="http://schemas.microsoft.com/office/powerpoint/2012/main" xmlns:com="http://schemas.openxmlformats.org/drawingml/2006/compatibility" xmlns:pvml="urn:schemas-microsoft-com:office:powerpoint" xmlns:v="urn:schemas-microsoft-com:vml" xmlns:o="urn:schemas-microsoft-com:office:office" xmlns:dgm="http://schemas.openxmlformats.org/drawingml/2006/diagram" xmlns:c="http://schemas.openxmlformats.org/drawingml/2006/chart" xmlns:mv="urn:schemas-microsoft-com:mac:vml" xmlns="">
+      <p:transition spd="slow">
+        <p:fade/>
+      </p:transition>
+    </mc:Fallback>
+  </mc:AlternateContent>
+</p:sld>
+</file>
+
+<file path=ppt/slides/slide16.xml><?xml version="1.0" encoding="utf-8"?>
+<p:sld xmlns:a="http://schemas.openxmlformats.org/drawingml/2006/main" xmlns:r="http://schemas.openxmlformats.org/officeDocument/2006/relationships" xmlns:p="http://schemas.openxmlformats.org/presentationml/2006/main">
+  <p:cSld>
+    <p:spTree>
+      <p:nvGrpSpPr>
+        <p:cNvPr id="1" name="Shape 153"/>
+        <p:cNvGrpSpPr/>
+        <p:nvPr/>
+      </p:nvGrpSpPr>
+      <p:grpSpPr>
+        <a:xfrm>
+          <a:off x="0" y="0"/>
+          <a:ext cx="0" cy="0"/>
+          <a:chOff x="0" y="0"/>
+          <a:chExt cx="0" cy="0"/>
+        </a:xfrm>
+      </p:grpSpPr>
+      <p:sp>
+        <p:nvSpPr>
+          <p:cNvPr id="154" name="Google Shape;154;p29"/>
+          <p:cNvSpPr txBox="1">
+            <a:spLocks noGrp="1"/>
+          </p:cNvSpPr>
+          <p:nvPr>
+            <p:ph type="title"/>
+          </p:nvPr>
+        </p:nvSpPr>
+        <p:spPr>
+          <a:xfrm>
+            <a:off x="633413" y="133350"/>
+            <a:ext cx="7877100" cy="857400"/>
+          </a:xfrm>
+          <a:prstGeom prst="rect">
+            <a:avLst/>
+          </a:prstGeom>
+        </p:spPr>
+        <p:txBody>
+          <a:bodyPr spcFirstLastPara="1" wrap="square" lIns="19050" tIns="19050" rIns="19050" bIns="19050" anchor="ctr" anchorCtr="0">
+            <a:noAutofit/>
+          </a:bodyPr>
+          <a:lstStyle/>
+          <a:p>
+            <a:pPr marL="0" lvl="0" indent="0" algn="ctr" rtl="0">
+              <a:spcBef>
+                <a:spcPts val="0"/>
+              </a:spcBef>
+              <a:spcAft>
+                <a:spcPts val="0"/>
+              </a:spcAft>
+              <a:buNone/>
+            </a:pPr>
+            <a:r>
+              <a:rPr lang="en" sz="2100">
+                <a:latin typeface="Arial"/>
+                <a:ea typeface="Arial"/>
+                <a:cs typeface="Arial"/>
+                <a:sym typeface="Arial"/>
+              </a:rPr>
+              <a:t>How to Display a Table from a SQL Database</a:t>
+            </a:r>
+            <a:endParaRPr sz="2100">
+              <a:latin typeface="Arial"/>
+              <a:ea typeface="Arial"/>
+              <a:cs typeface="Arial"/>
+              <a:sym typeface="Arial"/>
+            </a:endParaRPr>
+          </a:p>
+        </p:txBody>
+      </p:sp>
+      <p:sp>
+        <p:nvSpPr>
+          <p:cNvPr id="155" name="Google Shape;155;p29"/>
+          <p:cNvSpPr txBox="1"/>
+          <p:nvPr/>
+        </p:nvSpPr>
+        <p:spPr>
+          <a:xfrm>
+            <a:off x="678000" y="1811750"/>
+            <a:ext cx="8016600" cy="2256000"/>
+          </a:xfrm>
+          <a:prstGeom prst="rect">
+            <a:avLst/>
+          </a:prstGeom>
+          <a:noFill/>
+          <a:ln>
+            <a:noFill/>
+          </a:ln>
+        </p:spPr>
+        <p:txBody>
+          <a:bodyPr spcFirstLastPara="1" wrap="square" lIns="91425" tIns="91425" rIns="91425" bIns="91425" anchor="t" anchorCtr="0">
+            <a:spAutoFit/>
+          </a:bodyPr>
+          <a:lstStyle/>
+          <a:p>
+            <a:pPr marL="0" lvl="0" indent="0" algn="l" rtl="0">
+              <a:spcBef>
+                <a:spcPts val="0"/>
+              </a:spcBef>
+              <a:spcAft>
+                <a:spcPts val="0"/>
+              </a:spcAft>
+              <a:buNone/>
+            </a:pPr>
+            <a:r>
+              <a:rPr lang="en" b="1"/>
+              <a:t>SELECT  </a:t>
+            </a:r>
+            <a:r>
+              <a:rPr lang="en"/>
+              <a:t>-  select the data from the database and display the result based on the condition</a:t>
+            </a:r>
+            <a:endParaRPr/>
+          </a:p>
+          <a:p>
+            <a:pPr marL="0" lvl="0" indent="0" algn="l" rtl="0">
+              <a:spcBef>
+                <a:spcPts val="0"/>
+              </a:spcBef>
+              <a:spcAft>
+                <a:spcPts val="0"/>
+              </a:spcAft>
+              <a:buNone/>
+            </a:pPr>
+            <a:endParaRPr/>
+          </a:p>
+          <a:p>
+            <a:pPr marL="457200" lvl="0" indent="-301625" algn="l" rtl="0">
+              <a:lnSpc>
+                <a:spcPct val="115000"/>
+              </a:lnSpc>
+              <a:spcBef>
+                <a:spcPts val="0"/>
+              </a:spcBef>
+              <a:spcAft>
+                <a:spcPts val="0"/>
+              </a:spcAft>
+              <a:buSzPts val="1150"/>
+              <a:buFont typeface="Courier New"/>
+              <a:buChar char="●"/>
+            </a:pPr>
+            <a:r>
+              <a:rPr lang="en" sz="1150">
+                <a:solidFill>
+                  <a:srgbClr val="0000CD"/>
+                </a:solidFill>
+                <a:highlight>
+                  <a:srgbClr val="FFFFFF"/>
+                </a:highlight>
+                <a:latin typeface="Courier New"/>
+                <a:ea typeface="Courier New"/>
+                <a:cs typeface="Courier New"/>
+                <a:sym typeface="Courier New"/>
+              </a:rPr>
+              <a:t>SELECT * </a:t>
+            </a:r>
+            <a:endParaRPr sz="1150">
+              <a:solidFill>
+                <a:srgbClr val="0000CD"/>
+              </a:solidFill>
+              <a:highlight>
+                <a:srgbClr val="FFFFFF"/>
+              </a:highlight>
+              <a:latin typeface="Courier New"/>
+              <a:ea typeface="Courier New"/>
+              <a:cs typeface="Courier New"/>
+              <a:sym typeface="Courier New"/>
+            </a:endParaRPr>
+          </a:p>
+          <a:p>
+            <a:pPr marL="457200" lvl="0" indent="0" algn="l" rtl="0">
+              <a:lnSpc>
+                <a:spcPct val="115000"/>
+              </a:lnSpc>
+              <a:spcBef>
+                <a:spcPts val="0"/>
+              </a:spcBef>
+              <a:spcAft>
+                <a:spcPts val="0"/>
+              </a:spcAft>
+              <a:buNone/>
+            </a:pPr>
+            <a:r>
+              <a:rPr lang="en" sz="1150">
+                <a:solidFill>
+                  <a:srgbClr val="0000CD"/>
+                </a:solidFill>
+                <a:highlight>
+                  <a:srgbClr val="FFFFFF"/>
+                </a:highlight>
+                <a:latin typeface="Courier New"/>
+                <a:ea typeface="Courier New"/>
+                <a:cs typeface="Courier New"/>
+                <a:sym typeface="Courier New"/>
+              </a:rPr>
+              <a:t>FROM</a:t>
+            </a:r>
+            <a:r>
+              <a:rPr lang="en" sz="1150">
+                <a:highlight>
+                  <a:srgbClr val="FFFFFF"/>
+                </a:highlight>
+                <a:latin typeface="Courier New"/>
+                <a:ea typeface="Courier New"/>
+                <a:cs typeface="Courier New"/>
+                <a:sym typeface="Courier New"/>
+              </a:rPr>
+              <a:t> </a:t>
+            </a:r>
+            <a:r>
+              <a:rPr lang="en" sz="1150" i="1">
+                <a:highlight>
+                  <a:srgbClr val="FFFFFF"/>
+                </a:highlight>
+                <a:latin typeface="Courier New"/>
+                <a:ea typeface="Courier New"/>
+                <a:cs typeface="Courier New"/>
+                <a:sym typeface="Courier New"/>
+              </a:rPr>
+              <a:t>table_name; </a:t>
+            </a:r>
+            <a:endParaRPr sz="1150" i="1">
+              <a:highlight>
+                <a:srgbClr val="FFFFFF"/>
+              </a:highlight>
+              <a:latin typeface="Courier New"/>
+              <a:ea typeface="Courier New"/>
+              <a:cs typeface="Courier New"/>
+              <a:sym typeface="Courier New"/>
+            </a:endParaRPr>
+          </a:p>
+          <a:p>
+            <a:pPr marL="914400" lvl="1" indent="-301625" algn="l" rtl="0">
+              <a:lnSpc>
+                <a:spcPct val="115000"/>
+              </a:lnSpc>
+              <a:spcBef>
+                <a:spcPts val="0"/>
+              </a:spcBef>
+              <a:spcAft>
+                <a:spcPts val="0"/>
+              </a:spcAft>
+              <a:buSzPts val="1150"/>
+              <a:buFont typeface="Courier New"/>
+              <a:buChar char="○"/>
+            </a:pPr>
+            <a:r>
+              <a:rPr lang="en" sz="1150">
+                <a:highlight>
+                  <a:srgbClr val="FFFFFF"/>
+                </a:highlight>
+                <a:latin typeface="Courier New"/>
+                <a:ea typeface="Courier New"/>
+                <a:cs typeface="Courier New"/>
+                <a:sym typeface="Courier New"/>
+              </a:rPr>
+              <a:t>Select all the columns from the table_name and display </a:t>
+            </a:r>
+            <a:endParaRPr sz="1150">
+              <a:highlight>
+                <a:srgbClr val="FFFFFF"/>
+              </a:highlight>
+              <a:latin typeface="Courier New"/>
+              <a:ea typeface="Courier New"/>
+              <a:cs typeface="Courier New"/>
+              <a:sym typeface="Courier New"/>
+            </a:endParaRPr>
+          </a:p>
+          <a:p>
+            <a:pPr marL="0" lvl="0" indent="0" algn="l" rtl="0">
+              <a:lnSpc>
+                <a:spcPct val="115000"/>
+              </a:lnSpc>
+              <a:spcBef>
+                <a:spcPts val="0"/>
+              </a:spcBef>
+              <a:spcAft>
+                <a:spcPts val="0"/>
+              </a:spcAft>
+              <a:buNone/>
+            </a:pPr>
+            <a:endParaRPr sz="1150">
+              <a:highlight>
+                <a:srgbClr val="FFFFFF"/>
+              </a:highlight>
+              <a:latin typeface="Courier New"/>
+              <a:ea typeface="Courier New"/>
+              <a:cs typeface="Courier New"/>
+              <a:sym typeface="Courier New"/>
+            </a:endParaRPr>
+          </a:p>
+          <a:p>
+            <a:pPr marL="457200" lvl="0" indent="-301625" algn="l" rtl="0">
+              <a:lnSpc>
+                <a:spcPct val="115000"/>
+              </a:lnSpc>
+              <a:spcBef>
+                <a:spcPts val="0"/>
+              </a:spcBef>
+              <a:spcAft>
+                <a:spcPts val="0"/>
+              </a:spcAft>
+              <a:buSzPts val="1150"/>
+              <a:buFont typeface="Courier New"/>
+              <a:buChar char="●"/>
+            </a:pPr>
+            <a:r>
+              <a:rPr lang="en" sz="1150">
+                <a:solidFill>
+                  <a:srgbClr val="0000CD"/>
+                </a:solidFill>
+                <a:highlight>
+                  <a:srgbClr val="FFFFFF"/>
+                </a:highlight>
+                <a:latin typeface="Courier New"/>
+                <a:ea typeface="Courier New"/>
+                <a:cs typeface="Courier New"/>
+                <a:sym typeface="Courier New"/>
+              </a:rPr>
+              <a:t>SELECT col1, col2, …</a:t>
+            </a:r>
+            <a:endParaRPr sz="1150">
+              <a:solidFill>
+                <a:srgbClr val="0000CD"/>
+              </a:solidFill>
+              <a:highlight>
+                <a:srgbClr val="FFFFFF"/>
+              </a:highlight>
+              <a:latin typeface="Courier New"/>
+              <a:ea typeface="Courier New"/>
+              <a:cs typeface="Courier New"/>
+              <a:sym typeface="Courier New"/>
+            </a:endParaRPr>
+          </a:p>
+          <a:p>
+            <a:pPr marL="457200" lvl="0" indent="0" algn="l" rtl="0">
+              <a:lnSpc>
+                <a:spcPct val="115000"/>
+              </a:lnSpc>
+              <a:spcBef>
+                <a:spcPts val="0"/>
+              </a:spcBef>
+              <a:spcAft>
+                <a:spcPts val="0"/>
+              </a:spcAft>
+              <a:buNone/>
+            </a:pPr>
+            <a:r>
+              <a:rPr lang="en" sz="1150">
+                <a:solidFill>
+                  <a:srgbClr val="0000CD"/>
+                </a:solidFill>
+                <a:highlight>
+                  <a:srgbClr val="FFFFFF"/>
+                </a:highlight>
+                <a:latin typeface="Courier New"/>
+                <a:ea typeface="Courier New"/>
+                <a:cs typeface="Courier New"/>
+                <a:sym typeface="Courier New"/>
+              </a:rPr>
+              <a:t>FROM</a:t>
+            </a:r>
+            <a:r>
+              <a:rPr lang="en" sz="1150">
+                <a:highlight>
+                  <a:srgbClr val="FFFFFF"/>
+                </a:highlight>
+                <a:latin typeface="Courier New"/>
+                <a:ea typeface="Courier New"/>
+                <a:cs typeface="Courier New"/>
+                <a:sym typeface="Courier New"/>
+              </a:rPr>
+              <a:t> </a:t>
+            </a:r>
+            <a:r>
+              <a:rPr lang="en" sz="1150" i="1">
+                <a:highlight>
+                  <a:srgbClr val="FFFFFF"/>
+                </a:highlight>
+                <a:latin typeface="Courier New"/>
+                <a:ea typeface="Courier New"/>
+                <a:cs typeface="Courier New"/>
+                <a:sym typeface="Courier New"/>
+              </a:rPr>
+              <a:t>table_name; </a:t>
+            </a:r>
+            <a:endParaRPr sz="1150" i="1">
+              <a:highlight>
+                <a:srgbClr val="FFFFFF"/>
+              </a:highlight>
+              <a:latin typeface="Courier New"/>
+              <a:ea typeface="Courier New"/>
+              <a:cs typeface="Courier New"/>
+              <a:sym typeface="Courier New"/>
+            </a:endParaRPr>
+          </a:p>
+          <a:p>
+            <a:pPr marL="914400" lvl="1" indent="-301625" algn="l" rtl="0">
+              <a:lnSpc>
+                <a:spcPct val="115000"/>
+              </a:lnSpc>
+              <a:spcBef>
+                <a:spcPts val="0"/>
+              </a:spcBef>
+              <a:spcAft>
+                <a:spcPts val="0"/>
+              </a:spcAft>
+              <a:buSzPts val="1150"/>
+              <a:buFont typeface="Courier New"/>
+              <a:buChar char="○"/>
+            </a:pPr>
+            <a:r>
+              <a:rPr lang="en" sz="1150">
+                <a:highlight>
+                  <a:srgbClr val="FFFFFF"/>
+                </a:highlight>
+                <a:latin typeface="Courier New"/>
+                <a:ea typeface="Courier New"/>
+                <a:cs typeface="Courier New"/>
+                <a:sym typeface="Courier New"/>
+              </a:rPr>
+              <a:t>Select col1, col2, … from the table_name and display </a:t>
+            </a:r>
+            <a:endParaRPr sz="1150">
+              <a:highlight>
+                <a:srgbClr val="FFFFFF"/>
+              </a:highlight>
+              <a:latin typeface="Courier New"/>
+              <a:ea typeface="Courier New"/>
+              <a:cs typeface="Courier New"/>
+              <a:sym typeface="Courier New"/>
+            </a:endParaRPr>
+          </a:p>
+          <a:p>
+            <a:pPr marL="0" lvl="0" indent="0" algn="l" rtl="0">
+              <a:spcBef>
+                <a:spcPts val="0"/>
+              </a:spcBef>
+              <a:spcAft>
+                <a:spcPts val="0"/>
+              </a:spcAft>
+              <a:buNone/>
+            </a:pPr>
+            <a:endParaRPr/>
+          </a:p>
+        </p:txBody>
+      </p:sp>
+      <p:sp>
+        <p:nvSpPr>
+          <p:cNvPr id="156" name="Google Shape;156;p29"/>
+          <p:cNvSpPr txBox="1"/>
+          <p:nvPr/>
+        </p:nvSpPr>
+        <p:spPr>
+          <a:xfrm>
+            <a:off x="1002000" y="1039500"/>
+            <a:ext cx="7140000" cy="615600"/>
+          </a:xfrm>
+          <a:prstGeom prst="rect">
+            <a:avLst/>
+          </a:prstGeom>
+          <a:noFill/>
+          <a:ln w="9525" cap="flat" cmpd="sng">
+            <a:solidFill>
+              <a:srgbClr val="000000"/>
+            </a:solidFill>
+            <a:prstDash val="solid"/>
+            <a:round/>
+            <a:headEnd type="none" w="sm" len="sm"/>
+            <a:tailEnd type="none" w="sm" len="sm"/>
+          </a:ln>
+        </p:spPr>
+        <p:txBody>
+          <a:bodyPr spcFirstLastPara="1" wrap="square" lIns="91425" tIns="91425" rIns="91425" bIns="91425" anchor="t" anchorCtr="0">
+            <a:spAutoFit/>
+          </a:bodyPr>
+          <a:lstStyle/>
+          <a:p>
+            <a:pPr marL="0" lvl="0" indent="0" algn="l" rtl="0">
+              <a:spcBef>
+                <a:spcPts val="0"/>
+              </a:spcBef>
+              <a:spcAft>
+                <a:spcPts val="0"/>
+              </a:spcAft>
+              <a:buNone/>
+            </a:pPr>
+            <a:r>
+              <a:rPr lang="en" b="1"/>
+              <a:t>SQL is a ‘Query’ language that allows users to retrieve, add, or manipulate data on a SQL server.</a:t>
+            </a:r>
+            <a:endParaRPr b="1"/>
+          </a:p>
+        </p:txBody>
+      </p:sp>
+    </p:spTree>
+  </p:cSld>
+  <p:clrMapOvr>
+    <a:masterClrMapping/>
+  </p:clrMapOvr>
+</p:sld>
+</file>
+
+<file path=ppt/slides/slide17.xml><?xml version="1.0" encoding="utf-8"?>
 <p:sld xmlns:a="http://schemas.openxmlformats.org/drawingml/2006/main" xmlns:r="http://schemas.openxmlformats.org/officeDocument/2006/relationships" xmlns:p="http://schemas.openxmlformats.org/presentationml/2006/main">
   <p:cSld>
     <p:spTree>
@@ -8129,7 +8358,7 @@
 </p:sld>
 </file>
 
-<file path=ppt/slides/slide16.xml><?xml version="1.0" encoding="utf-8"?>
+<file path=ppt/slides/slide18.xml><?xml version="1.0" encoding="utf-8"?>
 <p:sld xmlns:a="http://schemas.openxmlformats.org/drawingml/2006/main" xmlns:r="http://schemas.openxmlformats.org/officeDocument/2006/relationships" xmlns:p="http://schemas.openxmlformats.org/presentationml/2006/main">
   <p:cSld>
     <p:spTree>
@@ -8201,12 +8430,12 @@
 </p:sld>
 </file>
 
-<file path=ppt/slides/slide17.xml><?xml version="1.0" encoding="utf-8"?>
+<file path=ppt/slides/slide19.xml><?xml version="1.0" encoding="utf-8"?>
 <p:sld xmlns:a="http://schemas.openxmlformats.org/drawingml/2006/main" xmlns:r="http://schemas.openxmlformats.org/officeDocument/2006/relationships" xmlns:p="http://schemas.openxmlformats.org/presentationml/2006/main">
   <p:cSld>
     <p:spTree>
       <p:nvGrpSpPr>
-        <p:cNvPr id="1" name="Shape 176"/>
+        <p:cNvPr id="1" name=""/>
         <p:cNvGrpSpPr/>
         <p:nvPr/>
       </p:nvGrpSpPr>
@@ -8220,616 +8449,111 @@
       </p:grpSpPr>
       <p:sp>
         <p:nvSpPr>
-          <p:cNvPr id="177" name="Google Shape;177;p33"/>
-          <p:cNvSpPr txBox="1"/>
-          <p:nvPr/>
-        </p:nvSpPr>
-        <p:spPr>
-          <a:xfrm>
-            <a:off x="4173913" y="4554125"/>
-            <a:ext cx="1269600" cy="400200"/>
-          </a:xfrm>
-          <a:prstGeom prst="rect">
-            <a:avLst/>
-          </a:prstGeom>
-          <a:noFill/>
-          <a:ln>
-            <a:noFill/>
-          </a:ln>
-        </p:spPr>
-        <p:txBody>
-          <a:bodyPr spcFirstLastPara="1" wrap="square" lIns="91425" tIns="91425" rIns="91425" bIns="91425" anchor="t" anchorCtr="0">
-            <a:spAutoFit/>
-          </a:bodyPr>
-          <a:lstStyle/>
-          <a:p>
-            <a:pPr marL="0" lvl="0" indent="0" algn="l" rtl="0">
-              <a:spcBef>
-                <a:spcPts val="0"/>
-              </a:spcBef>
-              <a:spcAft>
-                <a:spcPts val="0"/>
-              </a:spcAft>
-              <a:buNone/>
-            </a:pPr>
-            <a:endParaRPr/>
-          </a:p>
-        </p:txBody>
-      </p:sp>
-      <p:sp>
-        <p:nvSpPr>
-          <p:cNvPr id="178" name="Google Shape;178;p33"/>
-          <p:cNvSpPr txBox="1"/>
-          <p:nvPr/>
-        </p:nvSpPr>
-        <p:spPr>
-          <a:xfrm>
-            <a:off x="1275000" y="377450"/>
-            <a:ext cx="6594000" cy="492600"/>
-          </a:xfrm>
-          <a:prstGeom prst="rect">
-            <a:avLst/>
-          </a:prstGeom>
-          <a:noFill/>
-          <a:ln>
-            <a:noFill/>
-          </a:ln>
-        </p:spPr>
-        <p:txBody>
-          <a:bodyPr spcFirstLastPara="1" wrap="square" lIns="91425" tIns="91425" rIns="91425" bIns="91425" anchor="t" anchorCtr="0">
-            <a:spAutoFit/>
-          </a:bodyPr>
-          <a:lstStyle/>
-          <a:p>
-            <a:pPr marL="0" lvl="0" indent="0" algn="l" rtl="0">
-              <a:spcBef>
-                <a:spcPts val="0"/>
-              </a:spcBef>
-              <a:spcAft>
-                <a:spcPts val="0"/>
-              </a:spcAft>
-              <a:buNone/>
-            </a:pPr>
-            <a:endParaRPr sz="2000"/>
-          </a:p>
-        </p:txBody>
-      </p:sp>
-      <p:sp>
-        <p:nvSpPr>
-          <p:cNvPr id="179" name="Google Shape;179;p33"/>
-          <p:cNvSpPr txBox="1"/>
-          <p:nvPr/>
-        </p:nvSpPr>
-        <p:spPr>
-          <a:xfrm>
-            <a:off x="377425" y="902250"/>
-            <a:ext cx="8488500" cy="2893800"/>
-          </a:xfrm>
-          <a:prstGeom prst="rect">
-            <a:avLst/>
-          </a:prstGeom>
-          <a:noFill/>
-          <a:ln>
-            <a:noFill/>
-          </a:ln>
-        </p:spPr>
-        <p:txBody>
-          <a:bodyPr spcFirstLastPara="1" wrap="square" lIns="91425" tIns="91425" rIns="91425" bIns="91425" anchor="t" anchorCtr="0">
-            <a:spAutoFit/>
-          </a:bodyPr>
-          <a:lstStyle/>
-          <a:p>
-            <a:pPr marL="457200" lvl="0" indent="-406400" algn="l" rtl="0">
-              <a:spcBef>
-                <a:spcPts val="0"/>
-              </a:spcBef>
-              <a:spcAft>
-                <a:spcPts val="0"/>
-              </a:spcAft>
-              <a:buSzPts val="2800"/>
-              <a:buChar char="●"/>
-            </a:pPr>
-            <a:r>
-              <a:rPr lang="en" sz="2800">
-                <a:highlight>
-                  <a:srgbClr val="FFFF00"/>
-                </a:highlight>
-              </a:rPr>
-              <a:t>ALL </a:t>
-            </a:r>
-            <a:r>
-              <a:rPr lang="en" sz="2800"/>
-              <a:t>assignments due Friday, 9am.</a:t>
-            </a:r>
-            <a:endParaRPr sz="2800"/>
-          </a:p>
-          <a:p>
-            <a:pPr marL="914400" lvl="1" indent="-406400" algn="l" rtl="0">
-              <a:spcBef>
-                <a:spcPts val="0"/>
-              </a:spcBef>
-              <a:spcAft>
-                <a:spcPts val="0"/>
-              </a:spcAft>
-              <a:buSzPts val="2800"/>
-              <a:buChar char="○"/>
-            </a:pPr>
-            <a:r>
-              <a:rPr lang="en" sz="2800"/>
-              <a:t>Including all resubmits Weeks 1-3</a:t>
-            </a:r>
-            <a:br>
-              <a:rPr lang="en" sz="2800"/>
-            </a:br>
-            <a:endParaRPr sz="2800"/>
-          </a:p>
-          <a:p>
-            <a:pPr marL="457200" lvl="0" indent="-406400" algn="l" rtl="0">
-              <a:spcBef>
-                <a:spcPts val="0"/>
-              </a:spcBef>
-              <a:spcAft>
-                <a:spcPts val="0"/>
-              </a:spcAft>
-              <a:buSzPts val="2800"/>
-              <a:buChar char="●"/>
-            </a:pPr>
-            <a:r>
-              <a:rPr lang="en" sz="2800"/>
-              <a:t>Presentations on Thursday!</a:t>
-            </a:r>
-            <a:endParaRPr sz="2800"/>
-          </a:p>
-          <a:p>
-            <a:pPr marL="457200" lvl="0" indent="0" algn="l" rtl="0">
-              <a:spcBef>
-                <a:spcPts val="0"/>
-              </a:spcBef>
-              <a:spcAft>
-                <a:spcPts val="0"/>
-              </a:spcAft>
-              <a:buNone/>
-            </a:pPr>
-            <a:endParaRPr sz="2800"/>
-          </a:p>
-          <a:p>
-            <a:pPr marL="0" lvl="0" indent="0" algn="l" rtl="0">
-              <a:spcBef>
-                <a:spcPts val="0"/>
-              </a:spcBef>
-              <a:spcAft>
-                <a:spcPts val="0"/>
-              </a:spcAft>
-              <a:buNone/>
-            </a:pPr>
-            <a:endParaRPr sz="1800" b="1"/>
-          </a:p>
-          <a:p>
-            <a:pPr marL="0" lvl="0" indent="0" algn="l" rtl="0">
-              <a:spcBef>
-                <a:spcPts val="0"/>
-              </a:spcBef>
-              <a:spcAft>
-                <a:spcPts val="0"/>
-              </a:spcAft>
-              <a:buNone/>
-            </a:pPr>
-            <a:endParaRPr sz="1800"/>
-          </a:p>
-        </p:txBody>
-      </p:sp>
-      <p:sp>
-        <p:nvSpPr>
-          <p:cNvPr id="180" name="Google Shape;180;p33"/>
-          <p:cNvSpPr txBox="1">
+          <p:cNvPr id="2" name="Title 1">
+            <a:extLst>
+              <a:ext uri="{FF2B5EF4-FFF2-40B4-BE49-F238E27FC236}">
+                <a16:creationId xmlns:a16="http://schemas.microsoft.com/office/drawing/2014/main" id="{9FA9D441-E26D-EFCA-C53F-44C46CB5E8A1}"/>
+              </a:ext>
+            </a:extLst>
+          </p:cNvPr>
+          <p:cNvSpPr>
             <a:spLocks noGrp="1"/>
           </p:cNvSpPr>
           <p:nvPr>
             <p:ph type="title"/>
           </p:nvPr>
         </p:nvSpPr>
-        <p:spPr>
-          <a:xfrm>
-            <a:off x="595338" y="0"/>
-            <a:ext cx="7877100" cy="857400"/>
-          </a:xfrm>
-          <a:prstGeom prst="rect">
-            <a:avLst/>
-          </a:prstGeom>
-        </p:spPr>
+        <p:spPr/>
         <p:txBody>
-          <a:bodyPr spcFirstLastPara="1" wrap="square" lIns="19050" tIns="19050" rIns="19050" bIns="19050" anchor="ctr" anchorCtr="0">
-            <a:noAutofit/>
-          </a:bodyPr>
+          <a:bodyPr/>
           <a:lstStyle/>
           <a:p>
-            <a:pPr marL="0" lvl="0" indent="0" algn="ctr" rtl="0">
-              <a:spcBef>
-                <a:spcPts val="0"/>
-              </a:spcBef>
-              <a:spcAft>
-                <a:spcPts val="0"/>
-              </a:spcAft>
-              <a:buNone/>
-            </a:pPr>
-            <a:r>
-              <a:rPr lang="en" b="1">
-                <a:solidFill>
-                  <a:schemeClr val="accent1"/>
-                </a:solidFill>
-                <a:latin typeface="Arial"/>
-                <a:ea typeface="Arial"/>
-                <a:cs typeface="Arial"/>
-                <a:sym typeface="Arial"/>
-              </a:rPr>
-              <a:t>Announcements</a:t>
-            </a:r>
-            <a:endParaRPr b="1">
-              <a:solidFill>
-                <a:schemeClr val="accent1"/>
-              </a:solidFill>
-              <a:latin typeface="Arial"/>
-              <a:ea typeface="Arial"/>
-              <a:cs typeface="Arial"/>
-              <a:sym typeface="Arial"/>
-            </a:endParaRPr>
-          </a:p>
-        </p:txBody>
-      </p:sp>
-    </p:spTree>
-  </p:cSld>
-  <p:clrMapOvr>
-    <a:masterClrMapping/>
-  </p:clrMapOvr>
-</p:sld>
-</file>
-
-<file path=ppt/slides/slide18.xml><?xml version="1.0" encoding="utf-8"?>
-<p:sld xmlns:a="http://schemas.openxmlformats.org/drawingml/2006/main" xmlns:r="http://schemas.openxmlformats.org/officeDocument/2006/relationships" xmlns:p="http://schemas.openxmlformats.org/presentationml/2006/main">
-  <p:cSld>
-    <p:spTree>
-      <p:nvGrpSpPr>
-        <p:cNvPr id="1" name="Shape 184"/>
-        <p:cNvGrpSpPr/>
-        <p:nvPr/>
-      </p:nvGrpSpPr>
-      <p:grpSpPr>
-        <a:xfrm>
-          <a:off x="0" y="0"/>
-          <a:ext cx="0" cy="0"/>
-          <a:chOff x="0" y="0"/>
-          <a:chExt cx="0" cy="0"/>
-        </a:xfrm>
-      </p:grpSpPr>
-      <p:sp>
-        <p:nvSpPr>
-          <p:cNvPr id="185" name="Google Shape;185;p34"/>
-          <p:cNvSpPr txBox="1">
-            <a:spLocks noGrp="1"/>
-          </p:cNvSpPr>
-          <p:nvPr>
-            <p:ph type="title"/>
-          </p:nvPr>
-        </p:nvSpPr>
-        <p:spPr>
-          <a:xfrm>
-            <a:off x="633413" y="133350"/>
-            <a:ext cx="7877100" cy="857400"/>
-          </a:xfrm>
-          <a:prstGeom prst="rect">
-            <a:avLst/>
-          </a:prstGeom>
-        </p:spPr>
-        <p:txBody>
-          <a:bodyPr spcFirstLastPara="1" wrap="square" lIns="19050" tIns="19050" rIns="19050" bIns="19050" anchor="ctr" anchorCtr="0">
-            <a:noAutofit/>
-          </a:bodyPr>
-          <a:lstStyle/>
-          <a:p>
-            <a:pPr marL="0" lvl="0" indent="0" algn="ctr" rtl="0">
-              <a:spcBef>
-                <a:spcPts val="0"/>
-              </a:spcBef>
-              <a:spcAft>
-                <a:spcPts val="0"/>
-              </a:spcAft>
-              <a:buNone/>
-            </a:pPr>
-            <a:r>
-              <a:rPr lang="en"/>
-              <a:t>Presentations:</a:t>
-            </a:r>
-            <a:endParaRPr/>
+            <a:r>
+              <a:rPr lang="en-US" dirty="0"/>
+              <a:t>Summary</a:t>
+            </a:r>
           </a:p>
         </p:txBody>
       </p:sp>
       <p:sp>
         <p:nvSpPr>
-          <p:cNvPr id="186" name="Google Shape;186;p34"/>
+          <p:cNvPr id="3" name="TextBox 2">
+            <a:extLst>
+              <a:ext uri="{FF2B5EF4-FFF2-40B4-BE49-F238E27FC236}">
+                <a16:creationId xmlns:a16="http://schemas.microsoft.com/office/drawing/2014/main" id="{AB1AE631-68F8-A585-49FB-10D1383ED044}"/>
+              </a:ext>
+            </a:extLst>
+          </p:cNvPr>
           <p:cNvSpPr txBox="1"/>
           <p:nvPr/>
         </p:nvSpPr>
         <p:spPr>
           <a:xfrm>
-            <a:off x="252325" y="1006975"/>
-            <a:ext cx="8672700" cy="2484300"/>
+            <a:off x="2112264" y="1408176"/>
+            <a:ext cx="5047488" cy="2862322"/>
           </a:xfrm>
           <a:prstGeom prst="rect">
             <a:avLst/>
           </a:prstGeom>
           <a:noFill/>
-          <a:ln>
-            <a:noFill/>
-          </a:ln>
         </p:spPr>
         <p:txBody>
-          <a:bodyPr spcFirstLastPara="1" wrap="square" lIns="91425" tIns="91425" rIns="91425" bIns="91425" anchor="t" anchorCtr="0">
+          <a:bodyPr wrap="square" rtlCol="0">
             <a:spAutoFit/>
           </a:bodyPr>
           <a:lstStyle/>
           <a:p>
-            <a:pPr marL="457200" lvl="0" indent="-317500" algn="l" rtl="0">
-              <a:spcBef>
-                <a:spcPts val="0"/>
-              </a:spcBef>
-              <a:spcAft>
-                <a:spcPts val="0"/>
-              </a:spcAft>
-              <a:buSzPts val="1400"/>
-              <a:buAutoNum type="arabicPeriod"/>
-            </a:pPr>
-            <a:r>
-              <a:rPr lang="en" dirty="0"/>
-              <a:t>Non-technical: </a:t>
-            </a:r>
-            <a:endParaRPr dirty="0"/>
-          </a:p>
-          <a:p>
-            <a:pPr marL="914400" lvl="1" indent="-317500" algn="l" rtl="0">
-              <a:spcBef>
-                <a:spcPts val="0"/>
-              </a:spcBef>
-              <a:spcAft>
-                <a:spcPts val="0"/>
-              </a:spcAft>
-              <a:buSzPts val="1400"/>
-              <a:buAutoNum type="alphaLcPeriod"/>
-            </a:pPr>
-            <a:r>
-              <a:rPr lang="en" dirty="0"/>
-              <a:t>No technical jargon, </a:t>
-            </a:r>
-            <a:endParaRPr dirty="0"/>
-          </a:p>
-          <a:p>
-            <a:pPr marL="914400" lvl="1" indent="-317500" algn="l" rtl="0">
-              <a:spcBef>
-                <a:spcPts val="0"/>
-              </a:spcBef>
-              <a:spcAft>
-                <a:spcPts val="0"/>
-              </a:spcAft>
-              <a:buSzPts val="1400"/>
-              <a:buAutoNum type="alphaLcPeriod"/>
-            </a:pPr>
-            <a:r>
-              <a:rPr lang="en" dirty="0"/>
-              <a:t>Graphs interpretable by anyone</a:t>
-            </a:r>
-            <a:endParaRPr dirty="0"/>
-          </a:p>
-          <a:p>
-            <a:pPr marL="914400" lvl="1" indent="-317500" algn="l" rtl="0">
-              <a:spcBef>
-                <a:spcPts val="0"/>
-              </a:spcBef>
-              <a:spcAft>
-                <a:spcPts val="0"/>
-              </a:spcAft>
-              <a:buSzPts val="1400"/>
-              <a:buAutoNum type="alphaLcPeriod"/>
-            </a:pPr>
-            <a:r>
-              <a:rPr lang="en" dirty="0"/>
-              <a:t>Only what you would have understood before starting this program</a:t>
-            </a:r>
-            <a:br>
-              <a:rPr lang="en" dirty="0"/>
-            </a:br>
-            <a:endParaRPr dirty="0"/>
-          </a:p>
-          <a:p>
-            <a:pPr marL="457200" lvl="0" indent="-317500" algn="l" rtl="0">
-              <a:spcBef>
-                <a:spcPts val="0"/>
-              </a:spcBef>
-              <a:spcAft>
-                <a:spcPts val="0"/>
-              </a:spcAft>
-              <a:buSzPts val="1400"/>
-              <a:buAutoNum type="arabicPeriod"/>
-            </a:pPr>
-            <a:r>
-              <a:rPr lang="en" dirty="0"/>
-              <a:t>5 minutes: Hard stop!</a:t>
-            </a:r>
-            <a:br>
-              <a:rPr lang="en" dirty="0"/>
-            </a:br>
-            <a:endParaRPr dirty="0"/>
-          </a:p>
-          <a:p>
-            <a:pPr marL="457200" lvl="0" indent="-317500" algn="l" rtl="0">
-              <a:spcBef>
-                <a:spcPts val="0"/>
-              </a:spcBef>
-              <a:spcAft>
-                <a:spcPts val="0"/>
-              </a:spcAft>
-              <a:buSzPts val="1400"/>
-              <a:buAutoNum type="arabicPeriod"/>
-            </a:pPr>
-            <a:r>
-              <a:rPr lang="en" dirty="0"/>
-              <a:t>Examples:</a:t>
-            </a:r>
-            <a:endParaRPr dirty="0"/>
-          </a:p>
-          <a:p>
-            <a:pPr marL="0" lvl="0" indent="0" algn="just" rtl="0">
-              <a:lnSpc>
-                <a:spcPct val="115000"/>
-              </a:lnSpc>
-              <a:spcBef>
-                <a:spcPts val="0"/>
-              </a:spcBef>
-              <a:spcAft>
-                <a:spcPts val="0"/>
-              </a:spcAft>
-              <a:buNone/>
-            </a:pPr>
-            <a:endParaRPr sz="1600" dirty="0"/>
-          </a:p>
-          <a:p>
-            <a:pPr marL="914400" lvl="1" indent="-349250" algn="just" rtl="0">
-              <a:lnSpc>
-                <a:spcPct val="115000"/>
-              </a:lnSpc>
-              <a:spcBef>
-                <a:spcPts val="0"/>
-              </a:spcBef>
-              <a:spcAft>
-                <a:spcPts val="0"/>
-              </a:spcAft>
-              <a:buSzPts val="1900"/>
-              <a:buAutoNum type="alphaLcPeriod"/>
-            </a:pPr>
-            <a:r>
-              <a:rPr lang="en" sz="1600" u="sng" dirty="0">
-                <a:solidFill>
-                  <a:srgbClr val="1155CC"/>
-                </a:solidFill>
-                <a:hlinkClick r:id="rId3"/>
-              </a:rPr>
-              <a:t>Stroke Prediction</a:t>
-            </a:r>
-            <a:endParaRPr sz="1900" dirty="0"/>
+            <a:pPr marL="285750" indent="-285750">
+              <a:buFont typeface="Arial" panose="020B0604020202020204" pitchFamily="34" charset="0"/>
+              <a:buChar char="•"/>
+            </a:pPr>
+            <a:r>
+              <a:rPr lang="en-US" sz="1800" dirty="0"/>
+              <a:t>Relational databases contain many related tables and store data very efficiently</a:t>
+            </a:r>
+          </a:p>
+          <a:p>
+            <a:pPr marL="285750" indent="-285750">
+              <a:buFont typeface="Arial" panose="020B0604020202020204" pitchFamily="34" charset="0"/>
+              <a:buChar char="•"/>
+            </a:pPr>
+            <a:endParaRPr lang="en-US" sz="1800" dirty="0"/>
+          </a:p>
+          <a:p>
+            <a:pPr marL="285750" indent="-285750">
+              <a:buFont typeface="Arial" panose="020B0604020202020204" pitchFamily="34" charset="0"/>
+              <a:buChar char="•"/>
+            </a:pPr>
+            <a:r>
+              <a:rPr lang="en-US" sz="1800" dirty="0"/>
+              <a:t>Keys define the relationships between tables and can be used to join multiple tables into one when retrieving data</a:t>
+            </a:r>
+          </a:p>
+          <a:p>
+            <a:pPr marL="285750" indent="-285750">
+              <a:buFont typeface="Arial" panose="020B0604020202020204" pitchFamily="34" charset="0"/>
+              <a:buChar char="•"/>
+            </a:pPr>
+            <a:endParaRPr lang="en-US" sz="1800" dirty="0"/>
+          </a:p>
+          <a:p>
+            <a:pPr marL="285750" indent="-285750">
+              <a:buFont typeface="Arial" panose="020B0604020202020204" pitchFamily="34" charset="0"/>
+              <a:buChar char="•"/>
+            </a:pPr>
+            <a:r>
+              <a:rPr lang="en-US" sz="1800" dirty="0"/>
+              <a:t>SQL is a query language to interact with relational databases on SQL servers to retrieve, input, or manage data.</a:t>
+            </a:r>
           </a:p>
         </p:txBody>
       </p:sp>
     </p:spTree>
-  </p:cSld>
-  <p:clrMapOvr>
-    <a:masterClrMapping/>
-  </p:clrMapOvr>
-</p:sld>
-</file>
-
-<file path=ppt/slides/slide19.xml><?xml version="1.0" encoding="utf-8"?>
-<p:sld xmlns:a="http://schemas.openxmlformats.org/drawingml/2006/main" xmlns:r="http://schemas.openxmlformats.org/officeDocument/2006/relationships" xmlns:p="http://schemas.openxmlformats.org/presentationml/2006/main">
-  <p:cSld>
-    <p:spTree>
-      <p:nvGrpSpPr>
-        <p:cNvPr id="1" name="Shape 190"/>
-        <p:cNvGrpSpPr/>
-        <p:nvPr/>
-      </p:nvGrpSpPr>
-      <p:grpSpPr>
-        <a:xfrm>
-          <a:off x="0" y="0"/>
-          <a:ext cx="0" cy="0"/>
-          <a:chOff x="0" y="0"/>
-          <a:chExt cx="0" cy="0"/>
-        </a:xfrm>
-      </p:grpSpPr>
-      <p:sp>
-        <p:nvSpPr>
-          <p:cNvPr id="191" name="Google Shape;191;p35"/>
-          <p:cNvSpPr txBox="1">
-            <a:spLocks noGrp="1"/>
-          </p:cNvSpPr>
-          <p:nvPr>
-            <p:ph type="title"/>
-          </p:nvPr>
-        </p:nvSpPr>
-        <p:spPr>
-          <a:xfrm>
-            <a:off x="633425" y="133350"/>
-            <a:ext cx="7877100" cy="3179400"/>
-          </a:xfrm>
-          <a:prstGeom prst="rect">
-            <a:avLst/>
-          </a:prstGeom>
-        </p:spPr>
-        <p:txBody>
-          <a:bodyPr spcFirstLastPara="1" wrap="square" lIns="19050" tIns="19050" rIns="19050" bIns="19050" anchor="ctr" anchorCtr="0">
-            <a:noAutofit/>
-          </a:bodyPr>
-          <a:lstStyle/>
-          <a:p>
-            <a:pPr marL="0" lvl="0" indent="0" algn="ctr" rtl="0">
-              <a:spcBef>
-                <a:spcPts val="0"/>
-              </a:spcBef>
-              <a:spcAft>
-                <a:spcPts val="0"/>
-              </a:spcAft>
-              <a:buNone/>
-            </a:pPr>
-            <a:r>
-              <a:rPr lang="en" u="sng">
-                <a:solidFill>
-                  <a:schemeClr val="hlink"/>
-                </a:solidFill>
-                <a:hlinkClick r:id="rId3"/>
-              </a:rPr>
-              <a:t>Daily Schedule</a:t>
-            </a:r>
-            <a:endParaRPr/>
-          </a:p>
-          <a:p>
-            <a:pPr marL="0" lvl="0" indent="0" algn="ctr" rtl="0">
-              <a:spcBef>
-                <a:spcPts val="0"/>
-              </a:spcBef>
-              <a:spcAft>
-                <a:spcPts val="0"/>
-              </a:spcAft>
-              <a:buNone/>
-            </a:pPr>
-            <a:endParaRPr/>
-          </a:p>
-          <a:p>
-            <a:pPr marL="0" lvl="0" indent="0" algn="ctr" rtl="0">
-              <a:spcBef>
-                <a:spcPts val="0"/>
-              </a:spcBef>
-              <a:spcAft>
-                <a:spcPts val="0"/>
-              </a:spcAft>
-              <a:buNone/>
-            </a:pPr>
-            <a:endParaRPr/>
-          </a:p>
-          <a:p>
-            <a:pPr marL="0" lvl="0" indent="0" algn="ctr" rtl="0">
-              <a:spcBef>
-                <a:spcPts val="0"/>
-              </a:spcBef>
-              <a:spcAft>
-                <a:spcPts val="0"/>
-              </a:spcAft>
-              <a:buNone/>
-            </a:pPr>
-            <a:r>
-              <a:rPr lang="en"/>
-              <a:t>Complete your Environment Setup Assignment!</a:t>
-            </a:r>
-            <a:endParaRPr/>
-          </a:p>
-        </p:txBody>
-      </p:sp>
-    </p:spTree>
+    <p:extLst>
+      <p:ext uri="{BB962C8B-B14F-4D97-AF65-F5344CB8AC3E}">
+        <p14:creationId xmlns:p14="http://schemas.microsoft.com/office/powerpoint/2010/main" val="347667997"/>
+      </p:ext>
+    </p:extLst>
   </p:cSld>
   <p:clrMapOvr>
     <a:masterClrMapping/>
@@ -9244,7 +8968,7 @@
   <p:cSld>
     <p:spTree>
       <p:nvGrpSpPr>
-        <p:cNvPr id="1" name="Shape 195"/>
+        <p:cNvPr id="1" name="Shape 176"/>
         <p:cNvGrpSpPr/>
         <p:nvPr/>
       </p:nvGrpSpPr>
@@ -9258,7 +8982,207 @@
       </p:grpSpPr>
       <p:sp>
         <p:nvSpPr>
-          <p:cNvPr id="196" name="Google Shape;196;p36"/>
+          <p:cNvPr id="177" name="Google Shape;177;p33"/>
+          <p:cNvSpPr txBox="1"/>
+          <p:nvPr/>
+        </p:nvSpPr>
+        <p:spPr>
+          <a:xfrm>
+            <a:off x="4173913" y="4554125"/>
+            <a:ext cx="1269600" cy="400200"/>
+          </a:xfrm>
+          <a:prstGeom prst="rect">
+            <a:avLst/>
+          </a:prstGeom>
+          <a:noFill/>
+          <a:ln>
+            <a:noFill/>
+          </a:ln>
+        </p:spPr>
+        <p:txBody>
+          <a:bodyPr spcFirstLastPara="1" wrap="square" lIns="91425" tIns="91425" rIns="91425" bIns="91425" anchor="t" anchorCtr="0">
+            <a:spAutoFit/>
+          </a:bodyPr>
+          <a:lstStyle/>
+          <a:p>
+            <a:pPr marL="0" lvl="0" indent="0" algn="l" rtl="0">
+              <a:spcBef>
+                <a:spcPts val="0"/>
+              </a:spcBef>
+              <a:spcAft>
+                <a:spcPts val="0"/>
+              </a:spcAft>
+              <a:buNone/>
+            </a:pPr>
+            <a:endParaRPr/>
+          </a:p>
+        </p:txBody>
+      </p:sp>
+      <p:sp>
+        <p:nvSpPr>
+          <p:cNvPr id="178" name="Google Shape;178;p33"/>
+          <p:cNvSpPr txBox="1"/>
+          <p:nvPr/>
+        </p:nvSpPr>
+        <p:spPr>
+          <a:xfrm>
+            <a:off x="1275000" y="377450"/>
+            <a:ext cx="6594000" cy="492600"/>
+          </a:xfrm>
+          <a:prstGeom prst="rect">
+            <a:avLst/>
+          </a:prstGeom>
+          <a:noFill/>
+          <a:ln>
+            <a:noFill/>
+          </a:ln>
+        </p:spPr>
+        <p:txBody>
+          <a:bodyPr spcFirstLastPara="1" wrap="square" lIns="91425" tIns="91425" rIns="91425" bIns="91425" anchor="t" anchorCtr="0">
+            <a:spAutoFit/>
+          </a:bodyPr>
+          <a:lstStyle/>
+          <a:p>
+            <a:pPr marL="0" lvl="0" indent="0" algn="l" rtl="0">
+              <a:spcBef>
+                <a:spcPts val="0"/>
+              </a:spcBef>
+              <a:spcAft>
+                <a:spcPts val="0"/>
+              </a:spcAft>
+              <a:buNone/>
+            </a:pPr>
+            <a:endParaRPr sz="2000"/>
+          </a:p>
+        </p:txBody>
+      </p:sp>
+      <p:sp>
+        <p:nvSpPr>
+          <p:cNvPr id="179" name="Google Shape;179;p33"/>
+          <p:cNvSpPr txBox="1"/>
+          <p:nvPr/>
+        </p:nvSpPr>
+        <p:spPr>
+          <a:xfrm>
+            <a:off x="377425" y="902250"/>
+            <a:ext cx="8488500" cy="2893800"/>
+          </a:xfrm>
+          <a:prstGeom prst="rect">
+            <a:avLst/>
+          </a:prstGeom>
+          <a:noFill/>
+          <a:ln>
+            <a:noFill/>
+          </a:ln>
+        </p:spPr>
+        <p:txBody>
+          <a:bodyPr spcFirstLastPara="1" wrap="square" lIns="91425" tIns="91425" rIns="91425" bIns="91425" anchor="t" anchorCtr="0">
+            <a:spAutoFit/>
+          </a:bodyPr>
+          <a:lstStyle/>
+          <a:p>
+            <a:pPr marL="457200" lvl="0" indent="-406400" algn="l" rtl="0">
+              <a:spcBef>
+                <a:spcPts val="0"/>
+              </a:spcBef>
+              <a:spcAft>
+                <a:spcPts val="0"/>
+              </a:spcAft>
+              <a:buSzPts val="2800"/>
+              <a:buChar char="●"/>
+            </a:pPr>
+            <a:r>
+              <a:rPr lang="en" sz="2800">
+                <a:highlight>
+                  <a:srgbClr val="FFFF00"/>
+                </a:highlight>
+              </a:rPr>
+              <a:t>ALL </a:t>
+            </a:r>
+            <a:r>
+              <a:rPr lang="en" sz="2800"/>
+              <a:t>assignments due Friday, 9am.</a:t>
+            </a:r>
+            <a:endParaRPr sz="2800"/>
+          </a:p>
+          <a:p>
+            <a:pPr marL="914400" lvl="1" indent="-406400" algn="l" rtl="0">
+              <a:spcBef>
+                <a:spcPts val="0"/>
+              </a:spcBef>
+              <a:spcAft>
+                <a:spcPts val="0"/>
+              </a:spcAft>
+              <a:buSzPts val="2800"/>
+              <a:buChar char="○"/>
+            </a:pPr>
+            <a:r>
+              <a:rPr lang="en" sz="2800"/>
+              <a:t>Including all resubmits Weeks 1-3</a:t>
+            </a:r>
+            <a:br>
+              <a:rPr lang="en" sz="2800"/>
+            </a:br>
+            <a:endParaRPr sz="2800"/>
+          </a:p>
+          <a:p>
+            <a:pPr marL="457200" lvl="0" indent="-406400" algn="l" rtl="0">
+              <a:spcBef>
+                <a:spcPts val="0"/>
+              </a:spcBef>
+              <a:spcAft>
+                <a:spcPts val="0"/>
+              </a:spcAft>
+              <a:buSzPts val="2800"/>
+              <a:buChar char="●"/>
+            </a:pPr>
+            <a:r>
+              <a:rPr lang="en" sz="2800"/>
+              <a:t>Presentations on Thursday!</a:t>
+            </a:r>
+            <a:endParaRPr sz="2800"/>
+          </a:p>
+          <a:p>
+            <a:pPr marL="457200" lvl="0" indent="0" algn="l" rtl="0">
+              <a:spcBef>
+                <a:spcPts val="0"/>
+              </a:spcBef>
+              <a:spcAft>
+                <a:spcPts val="0"/>
+              </a:spcAft>
+              <a:buNone/>
+            </a:pPr>
+            <a:endParaRPr sz="2800"/>
+          </a:p>
+          <a:p>
+            <a:pPr marL="0" lvl="0" indent="0" algn="l" rtl="0">
+              <a:spcBef>
+                <a:spcPts val="0"/>
+              </a:spcBef>
+              <a:spcAft>
+                <a:spcPts val="0"/>
+              </a:spcAft>
+              <a:buNone/>
+            </a:pPr>
+            <a:endParaRPr sz="1800" b="1"/>
+          </a:p>
+          <a:p>
+            <a:pPr marL="0" lvl="0" indent="0" algn="l" rtl="0">
+              <a:spcBef>
+                <a:spcPts val="0"/>
+              </a:spcBef>
+              <a:spcAft>
+                <a:spcPts val="0"/>
+              </a:spcAft>
+              <a:buNone/>
+            </a:pPr>
+            <a:endParaRPr sz="1800"/>
+          </a:p>
+        </p:txBody>
+      </p:sp>
+      <p:sp>
+        <p:nvSpPr>
+          <p:cNvPr id="180" name="Google Shape;180;p33"/>
           <p:cNvSpPr txBox="1">
             <a:spLocks noGrp="1"/>
           </p:cNvSpPr>
@@ -9268,7 +9192,7 @@
         </p:nvSpPr>
         <p:spPr>
           <a:xfrm>
-            <a:off x="633438" y="2046913"/>
+            <a:off x="595338" y="0"/>
             <a:ext cx="7877100" cy="857400"/>
           </a:xfrm>
           <a:prstGeom prst="rect">
@@ -9291,15 +9215,402 @@
               <a:buNone/>
             </a:pPr>
             <a:r>
-              <a:rPr lang="en" u="sng">
+              <a:rPr lang="en" b="1">
+                <a:solidFill>
+                  <a:schemeClr val="accent1"/>
+                </a:solidFill>
+                <a:latin typeface="Arial"/>
+                <a:ea typeface="Arial"/>
+                <a:cs typeface="Arial"/>
+                <a:sym typeface="Arial"/>
+              </a:rPr>
+              <a:t>Announcements</a:t>
+            </a:r>
+            <a:endParaRPr b="1">
+              <a:solidFill>
+                <a:schemeClr val="accent1"/>
+              </a:solidFill>
+              <a:latin typeface="Arial"/>
+              <a:ea typeface="Arial"/>
+              <a:cs typeface="Arial"/>
+              <a:sym typeface="Arial"/>
+            </a:endParaRPr>
+          </a:p>
+        </p:txBody>
+      </p:sp>
+    </p:spTree>
+  </p:cSld>
+  <p:clrMapOvr>
+    <a:masterClrMapping/>
+  </p:clrMapOvr>
+</p:sld>
+</file>
+
+<file path=ppt/slides/slide21.xml><?xml version="1.0" encoding="utf-8"?>
+<p:sld xmlns:a="http://schemas.openxmlformats.org/drawingml/2006/main" xmlns:r="http://schemas.openxmlformats.org/officeDocument/2006/relationships" xmlns:p="http://schemas.openxmlformats.org/presentationml/2006/main">
+  <p:cSld>
+    <p:spTree>
+      <p:nvGrpSpPr>
+        <p:cNvPr id="1" name="Shape 184"/>
+        <p:cNvGrpSpPr/>
+        <p:nvPr/>
+      </p:nvGrpSpPr>
+      <p:grpSpPr>
+        <a:xfrm>
+          <a:off x="0" y="0"/>
+          <a:ext cx="0" cy="0"/>
+          <a:chOff x="0" y="0"/>
+          <a:chExt cx="0" cy="0"/>
+        </a:xfrm>
+      </p:grpSpPr>
+      <p:sp>
+        <p:nvSpPr>
+          <p:cNvPr id="185" name="Google Shape;185;p34"/>
+          <p:cNvSpPr txBox="1">
+            <a:spLocks noGrp="1"/>
+          </p:cNvSpPr>
+          <p:nvPr>
+            <p:ph type="title"/>
+          </p:nvPr>
+        </p:nvSpPr>
+        <p:spPr>
+          <a:xfrm>
+            <a:off x="633413" y="133350"/>
+            <a:ext cx="7877100" cy="857400"/>
+          </a:xfrm>
+          <a:prstGeom prst="rect">
+            <a:avLst/>
+          </a:prstGeom>
+        </p:spPr>
+        <p:txBody>
+          <a:bodyPr spcFirstLastPara="1" wrap="square" lIns="19050" tIns="19050" rIns="19050" bIns="19050" anchor="ctr" anchorCtr="0">
+            <a:noAutofit/>
+          </a:bodyPr>
+          <a:lstStyle/>
+          <a:p>
+            <a:pPr marL="0" lvl="0" indent="0" algn="ctr" rtl="0">
+              <a:spcBef>
+                <a:spcPts val="0"/>
+              </a:spcBef>
+              <a:spcAft>
+                <a:spcPts val="0"/>
+              </a:spcAft>
+              <a:buNone/>
+            </a:pPr>
+            <a:r>
+              <a:rPr lang="en"/>
+              <a:t>Presentations:</a:t>
+            </a:r>
+            <a:endParaRPr/>
+          </a:p>
+        </p:txBody>
+      </p:sp>
+      <p:sp>
+        <p:nvSpPr>
+          <p:cNvPr id="186" name="Google Shape;186;p34"/>
+          <p:cNvSpPr txBox="1"/>
+          <p:nvPr/>
+        </p:nvSpPr>
+        <p:spPr>
+          <a:xfrm>
+            <a:off x="252325" y="1006975"/>
+            <a:ext cx="8672700" cy="2484300"/>
+          </a:xfrm>
+          <a:prstGeom prst="rect">
+            <a:avLst/>
+          </a:prstGeom>
+          <a:noFill/>
+          <a:ln>
+            <a:noFill/>
+          </a:ln>
+        </p:spPr>
+        <p:txBody>
+          <a:bodyPr spcFirstLastPara="1" wrap="square" lIns="91425" tIns="91425" rIns="91425" bIns="91425" anchor="t" anchorCtr="0">
+            <a:spAutoFit/>
+          </a:bodyPr>
+          <a:lstStyle/>
+          <a:p>
+            <a:pPr marL="457200" lvl="0" indent="-317500" algn="l" rtl="0">
+              <a:spcBef>
+                <a:spcPts val="0"/>
+              </a:spcBef>
+              <a:spcAft>
+                <a:spcPts val="0"/>
+              </a:spcAft>
+              <a:buSzPts val="1400"/>
+              <a:buAutoNum type="arabicPeriod"/>
+            </a:pPr>
+            <a:r>
+              <a:rPr lang="en" dirty="0"/>
+              <a:t>Non-technical: </a:t>
+            </a:r>
+            <a:endParaRPr dirty="0"/>
+          </a:p>
+          <a:p>
+            <a:pPr marL="914400" lvl="1" indent="-317500" algn="l" rtl="0">
+              <a:spcBef>
+                <a:spcPts val="0"/>
+              </a:spcBef>
+              <a:spcAft>
+                <a:spcPts val="0"/>
+              </a:spcAft>
+              <a:buSzPts val="1400"/>
+              <a:buAutoNum type="alphaLcPeriod"/>
+            </a:pPr>
+            <a:r>
+              <a:rPr lang="en" dirty="0"/>
+              <a:t>No technical jargon, </a:t>
+            </a:r>
+            <a:endParaRPr dirty="0"/>
+          </a:p>
+          <a:p>
+            <a:pPr marL="914400" lvl="1" indent="-317500" algn="l" rtl="0">
+              <a:spcBef>
+                <a:spcPts val="0"/>
+              </a:spcBef>
+              <a:spcAft>
+                <a:spcPts val="0"/>
+              </a:spcAft>
+              <a:buSzPts val="1400"/>
+              <a:buAutoNum type="alphaLcPeriod"/>
+            </a:pPr>
+            <a:r>
+              <a:rPr lang="en" dirty="0"/>
+              <a:t>Graphs interpretable by anyone</a:t>
+            </a:r>
+            <a:endParaRPr dirty="0"/>
+          </a:p>
+          <a:p>
+            <a:pPr marL="914400" lvl="1" indent="-317500" algn="l" rtl="0">
+              <a:spcBef>
+                <a:spcPts val="0"/>
+              </a:spcBef>
+              <a:spcAft>
+                <a:spcPts val="0"/>
+              </a:spcAft>
+              <a:buSzPts val="1400"/>
+              <a:buAutoNum type="alphaLcPeriod"/>
+            </a:pPr>
+            <a:r>
+              <a:rPr lang="en" dirty="0"/>
+              <a:t>Only what you would have understood before starting this program</a:t>
+            </a:r>
+            <a:br>
+              <a:rPr lang="en" dirty="0"/>
+            </a:br>
+            <a:endParaRPr dirty="0"/>
+          </a:p>
+          <a:p>
+            <a:pPr marL="457200" lvl="0" indent="-317500" algn="l" rtl="0">
+              <a:spcBef>
+                <a:spcPts val="0"/>
+              </a:spcBef>
+              <a:spcAft>
+                <a:spcPts val="0"/>
+              </a:spcAft>
+              <a:buSzPts val="1400"/>
+              <a:buAutoNum type="arabicPeriod"/>
+            </a:pPr>
+            <a:r>
+              <a:rPr lang="en" dirty="0"/>
+              <a:t>5 minutes: Hard stop!</a:t>
+            </a:r>
+            <a:br>
+              <a:rPr lang="en" dirty="0"/>
+            </a:br>
+            <a:endParaRPr dirty="0"/>
+          </a:p>
+          <a:p>
+            <a:pPr marL="457200" lvl="0" indent="-317500" algn="l" rtl="0">
+              <a:spcBef>
+                <a:spcPts val="0"/>
+              </a:spcBef>
+              <a:spcAft>
+                <a:spcPts val="0"/>
+              </a:spcAft>
+              <a:buSzPts val="1400"/>
+              <a:buAutoNum type="arabicPeriod"/>
+            </a:pPr>
+            <a:r>
+              <a:rPr lang="en" dirty="0"/>
+              <a:t>Examples:</a:t>
+            </a:r>
+            <a:endParaRPr dirty="0"/>
+          </a:p>
+          <a:p>
+            <a:pPr marL="0" lvl="0" indent="0" algn="just" rtl="0">
+              <a:lnSpc>
+                <a:spcPct val="115000"/>
+              </a:lnSpc>
+              <a:spcBef>
+                <a:spcPts val="0"/>
+              </a:spcBef>
+              <a:spcAft>
+                <a:spcPts val="0"/>
+              </a:spcAft>
+              <a:buNone/>
+            </a:pPr>
+            <a:endParaRPr sz="1600" dirty="0"/>
+          </a:p>
+          <a:p>
+            <a:pPr marL="914400" lvl="1" indent="-349250" algn="just" rtl="0">
+              <a:lnSpc>
+                <a:spcPct val="115000"/>
+              </a:lnSpc>
+              <a:spcBef>
+                <a:spcPts val="0"/>
+              </a:spcBef>
+              <a:spcAft>
+                <a:spcPts val="0"/>
+              </a:spcAft>
+              <a:buSzPts val="1900"/>
+              <a:buAutoNum type="alphaLcPeriod"/>
+            </a:pPr>
+            <a:r>
+              <a:rPr lang="en" sz="1600" u="sng" dirty="0">
+                <a:solidFill>
+                  <a:srgbClr val="1155CC"/>
+                </a:solidFill>
+                <a:hlinkClick r:id="rId3"/>
+              </a:rPr>
+              <a:t>Stroke Prediction</a:t>
+            </a:r>
+            <a:endParaRPr sz="1900" dirty="0"/>
+          </a:p>
+        </p:txBody>
+      </p:sp>
+    </p:spTree>
+  </p:cSld>
+  <p:clrMapOvr>
+    <a:masterClrMapping/>
+  </p:clrMapOvr>
+</p:sld>
+</file>
+
+<file path=ppt/slides/slide22.xml><?xml version="1.0" encoding="utf-8"?>
+<p:sld xmlns:a="http://schemas.openxmlformats.org/drawingml/2006/main" xmlns:r="http://schemas.openxmlformats.org/officeDocument/2006/relationships" xmlns:p="http://schemas.openxmlformats.org/presentationml/2006/main">
+  <p:cSld>
+    <p:spTree>
+      <p:nvGrpSpPr>
+        <p:cNvPr id="1" name="Shape 190"/>
+        <p:cNvGrpSpPr/>
+        <p:nvPr/>
+      </p:nvGrpSpPr>
+      <p:grpSpPr>
+        <a:xfrm>
+          <a:off x="0" y="0"/>
+          <a:ext cx="0" cy="0"/>
+          <a:chOff x="0" y="0"/>
+          <a:chExt cx="0" cy="0"/>
+        </a:xfrm>
+      </p:grpSpPr>
+      <p:sp>
+        <p:nvSpPr>
+          <p:cNvPr id="191" name="Google Shape;191;p35"/>
+          <p:cNvSpPr txBox="1">
+            <a:spLocks noGrp="1"/>
+          </p:cNvSpPr>
+          <p:nvPr>
+            <p:ph type="title"/>
+          </p:nvPr>
+        </p:nvSpPr>
+        <p:spPr>
+          <a:xfrm>
+            <a:off x="633425" y="133350"/>
+            <a:ext cx="7877100" cy="3179400"/>
+          </a:xfrm>
+          <a:prstGeom prst="rect">
+            <a:avLst/>
+          </a:prstGeom>
+        </p:spPr>
+        <p:txBody>
+          <a:bodyPr spcFirstLastPara="1" wrap="square" lIns="19050" tIns="19050" rIns="19050" bIns="19050" anchor="ctr" anchorCtr="0">
+            <a:noAutofit/>
+          </a:bodyPr>
+          <a:lstStyle/>
+          <a:p>
+            <a:pPr marL="0" lvl="0" indent="0" algn="ctr" rtl="0">
+              <a:spcBef>
+                <a:spcPts val="0"/>
+              </a:spcBef>
+              <a:spcAft>
+                <a:spcPts val="0"/>
+              </a:spcAft>
+              <a:buNone/>
+            </a:pPr>
+            <a:r>
+              <a:rPr lang="en" u="sng" dirty="0">
                 <a:solidFill>
                   <a:schemeClr val="hlink"/>
                 </a:solidFill>
                 <a:hlinkClick r:id="rId3"/>
               </a:rPr>
-              <a:t>Code-along Solutions</a:t>
-            </a:r>
-            <a:endParaRPr/>
+              <a:t>Daily Schedule</a:t>
+            </a:r>
+            <a:endParaRPr dirty="0"/>
+          </a:p>
+          <a:p>
+            <a:pPr marL="0" lvl="0" indent="0" algn="ctr" rtl="0">
+              <a:spcBef>
+                <a:spcPts val="0"/>
+              </a:spcBef>
+              <a:spcAft>
+                <a:spcPts val="0"/>
+              </a:spcAft>
+              <a:buNone/>
+            </a:pPr>
+            <a:endParaRPr dirty="0"/>
+          </a:p>
+          <a:p>
+            <a:pPr marL="0" lvl="0" indent="0" algn="ctr" rtl="0">
+              <a:spcBef>
+                <a:spcPts val="0"/>
+              </a:spcBef>
+              <a:spcAft>
+                <a:spcPts val="0"/>
+              </a:spcAft>
+              <a:buNone/>
+            </a:pPr>
+            <a:endParaRPr dirty="0"/>
+          </a:p>
+          <a:p>
+            <a:pPr marL="0" lvl="0" indent="0" algn="ctr" rtl="0">
+              <a:spcBef>
+                <a:spcPts val="0"/>
+              </a:spcBef>
+              <a:spcAft>
+                <a:spcPts val="0"/>
+              </a:spcAft>
+              <a:buNone/>
+            </a:pPr>
+            <a:r>
+              <a:rPr lang="en" dirty="0">
+                <a:solidFill>
+                  <a:srgbClr val="FF0000"/>
+                </a:solidFill>
+              </a:rPr>
+              <a:t>Complete your Environment Setup Assignment! </a:t>
+            </a:r>
+            <a:br>
+              <a:rPr lang="en" dirty="0">
+                <a:solidFill>
+                  <a:srgbClr val="FF0000"/>
+                </a:solidFill>
+              </a:rPr>
+            </a:br>
+            <a:r>
+              <a:rPr lang="en" dirty="0">
+                <a:solidFill>
+                  <a:srgbClr val="FF0000"/>
+                </a:solidFill>
+              </a:rPr>
+              <a:t>AS SOON AS POSSIBLE</a:t>
+            </a:r>
+            <a:endParaRPr dirty="0">
+              <a:solidFill>
+                <a:srgbClr val="FF0000"/>
+              </a:solidFill>
+            </a:endParaRPr>
           </a:p>
         </p:txBody>
       </p:sp>
@@ -9967,6 +10278,247 @@
   <p:cSld>
     <p:spTree>
       <p:nvGrpSpPr>
+        <p:cNvPr id="1" name=""/>
+        <p:cNvGrpSpPr/>
+        <p:nvPr/>
+      </p:nvGrpSpPr>
+      <p:grpSpPr>
+        <a:xfrm>
+          <a:off x="0" y="0"/>
+          <a:ext cx="0" cy="0"/>
+          <a:chOff x="0" y="0"/>
+          <a:chExt cx="0" cy="0"/>
+        </a:xfrm>
+      </p:grpSpPr>
+      <p:pic>
+        <p:nvPicPr>
+          <p:cNvPr id="1026" name="Picture 2" descr="A bit about SQL - The Data School Down Under">
+            <a:extLst>
+              <a:ext uri="{FF2B5EF4-FFF2-40B4-BE49-F238E27FC236}">
+                <a16:creationId xmlns:a16="http://schemas.microsoft.com/office/drawing/2014/main" id="{0BAA53AD-9EAF-E6D2-1602-4ADAC8513EBB}"/>
+              </a:ext>
+            </a:extLst>
+          </p:cNvPr>
+          <p:cNvPicPr>
+            <a:picLocks noChangeAspect="1" noChangeArrowheads="1"/>
+          </p:cNvPicPr>
+          <p:nvPr/>
+        </p:nvPicPr>
+        <p:blipFill>
+          <a:blip r:embed="rId2">
+            <a:extLst>
+              <a:ext uri="{28A0092B-C50C-407E-A947-70E740481C1C}">
+                <a14:useLocalDpi xmlns:a14="http://schemas.microsoft.com/office/drawing/2010/main" val="0"/>
+              </a:ext>
+            </a:extLst>
+          </a:blip>
+          <a:srcRect/>
+          <a:stretch>
+            <a:fillRect/>
+          </a:stretch>
+        </p:blipFill>
+        <p:spPr bwMode="auto">
+          <a:xfrm>
+            <a:off x="2877122" y="530733"/>
+            <a:ext cx="3133725" cy="1466850"/>
+          </a:xfrm>
+          <a:prstGeom prst="rect">
+            <a:avLst/>
+          </a:prstGeom>
+          <a:noFill/>
+          <a:extLst>
+            <a:ext uri="{909E8E84-426E-40DD-AFC4-6F175D3DCCD1}">
+              <a14:hiddenFill xmlns:a14="http://schemas.microsoft.com/office/drawing/2010/main">
+                <a:solidFill>
+                  <a:srgbClr val="FFFFFF"/>
+                </a:solidFill>
+              </a14:hiddenFill>
+            </a:ext>
+          </a:extLst>
+        </p:spPr>
+      </p:pic>
+      <p:sp>
+        <p:nvSpPr>
+          <p:cNvPr id="2" name="TextBox 1">
+            <a:extLst>
+              <a:ext uri="{FF2B5EF4-FFF2-40B4-BE49-F238E27FC236}">
+                <a16:creationId xmlns:a16="http://schemas.microsoft.com/office/drawing/2014/main" id="{4BC8F59E-97E8-02AF-FBD0-E231963E104A}"/>
+              </a:ext>
+            </a:extLst>
+          </p:cNvPr>
+          <p:cNvSpPr txBox="1"/>
+          <p:nvPr/>
+        </p:nvSpPr>
+        <p:spPr>
+          <a:xfrm>
+            <a:off x="2203704" y="2169366"/>
+            <a:ext cx="4736592" cy="523220"/>
+          </a:xfrm>
+          <a:prstGeom prst="rect">
+            <a:avLst/>
+          </a:prstGeom>
+          <a:noFill/>
+        </p:spPr>
+        <p:txBody>
+          <a:bodyPr wrap="square" rtlCol="0">
+            <a:spAutoFit/>
+          </a:bodyPr>
+          <a:lstStyle/>
+          <a:p>
+            <a:pPr algn="ctr"/>
+            <a:r>
+              <a:rPr lang="en-US" sz="2800" dirty="0"/>
+              <a:t>Structured Query Language</a:t>
+            </a:r>
+          </a:p>
+        </p:txBody>
+      </p:sp>
+      <p:sp>
+        <p:nvSpPr>
+          <p:cNvPr id="3" name="TextBox 2">
+            <a:extLst>
+              <a:ext uri="{FF2B5EF4-FFF2-40B4-BE49-F238E27FC236}">
+                <a16:creationId xmlns:a16="http://schemas.microsoft.com/office/drawing/2014/main" id="{0E7D4460-19EB-9FE0-2033-1EBCFD3DD872}"/>
+              </a:ext>
+            </a:extLst>
+          </p:cNvPr>
+          <p:cNvSpPr txBox="1"/>
+          <p:nvPr/>
+        </p:nvSpPr>
+        <p:spPr>
+          <a:xfrm>
+            <a:off x="471964" y="2981551"/>
+            <a:ext cx="3815049" cy="1631216"/>
+          </a:xfrm>
+          <a:prstGeom prst="rect">
+            <a:avLst/>
+          </a:prstGeom>
+          <a:noFill/>
+          <a:ln>
+            <a:solidFill>
+              <a:schemeClr val="bg2"/>
+            </a:solidFill>
+          </a:ln>
+        </p:spPr>
+        <p:txBody>
+          <a:bodyPr wrap="square" rtlCol="0">
+            <a:spAutoFit/>
+          </a:bodyPr>
+          <a:lstStyle/>
+          <a:p>
+            <a:r>
+              <a:rPr lang="en-US" sz="2000" dirty="0"/>
+              <a:t>Language to interact with </a:t>
+            </a:r>
+            <a:r>
+              <a:rPr lang="en-US" sz="2000" dirty="0">
+                <a:solidFill>
+                  <a:srgbClr val="7030A0"/>
+                </a:solidFill>
+              </a:rPr>
+              <a:t>SQL servers</a:t>
+            </a:r>
+            <a:r>
+              <a:rPr lang="en-US" sz="2000" dirty="0"/>
+              <a:t>.</a:t>
+            </a:r>
+          </a:p>
+          <a:p>
+            <a:endParaRPr lang="en-US" sz="2000" dirty="0"/>
+          </a:p>
+          <a:p>
+            <a:r>
+              <a:rPr lang="en-US" sz="2000" dirty="0"/>
+              <a:t>Inputs, retrieves, and manages data on </a:t>
+            </a:r>
+            <a:r>
+              <a:rPr lang="en-US" sz="2000" dirty="0">
+                <a:solidFill>
+                  <a:srgbClr val="7030A0"/>
+                </a:solidFill>
+              </a:rPr>
+              <a:t>SQL databases</a:t>
+            </a:r>
+          </a:p>
+        </p:txBody>
+      </p:sp>
+      <p:pic>
+        <p:nvPicPr>
+          <p:cNvPr id="1028" name="Picture 4" descr="Top 10 Free Courses to learn Microsoft SQL Server and Oracle in 2022 | by  javinpaul | Javarevisited | Medium">
+            <a:extLst>
+              <a:ext uri="{FF2B5EF4-FFF2-40B4-BE49-F238E27FC236}">
+                <a16:creationId xmlns:a16="http://schemas.microsoft.com/office/drawing/2014/main" id="{39F7EDEE-0D8E-25F4-9D7C-D4C6F58DED91}"/>
+              </a:ext>
+            </a:extLst>
+          </p:cNvPr>
+          <p:cNvPicPr>
+            <a:picLocks noChangeAspect="1" noChangeArrowheads="1"/>
+          </p:cNvPicPr>
+          <p:nvPr/>
+        </p:nvPicPr>
+        <p:blipFill>
+          <a:blip r:embed="rId3">
+            <a:extLst>
+              <a:ext uri="{28A0092B-C50C-407E-A947-70E740481C1C}">
+                <a14:useLocalDpi xmlns:a14="http://schemas.microsoft.com/office/drawing/2010/main" val="0"/>
+              </a:ext>
+            </a:extLst>
+          </a:blip>
+          <a:srcRect/>
+          <a:stretch>
+            <a:fillRect/>
+          </a:stretch>
+        </p:blipFill>
+        <p:spPr bwMode="auto">
+          <a:xfrm>
+            <a:off x="4856988" y="2749308"/>
+            <a:ext cx="2471890" cy="1917846"/>
+          </a:xfrm>
+          <a:prstGeom prst="rect">
+            <a:avLst/>
+          </a:prstGeom>
+          <a:noFill/>
+          <a:extLst>
+            <a:ext uri="{909E8E84-426E-40DD-AFC4-6F175D3DCCD1}">
+              <a14:hiddenFill xmlns:a14="http://schemas.microsoft.com/office/drawing/2010/main">
+                <a:solidFill>
+                  <a:srgbClr val="FFFFFF"/>
+                </a:solidFill>
+              </a14:hiddenFill>
+            </a:ext>
+          </a:extLst>
+        </p:spPr>
+      </p:pic>
+    </p:spTree>
+    <p:extLst>
+      <p:ext uri="{BB962C8B-B14F-4D97-AF65-F5344CB8AC3E}">
+        <p14:creationId xmlns:p14="http://schemas.microsoft.com/office/powerpoint/2010/main" val="2997849363"/>
+      </p:ext>
+    </p:extLst>
+  </p:cSld>
+  <p:clrMapOvr>
+    <a:masterClrMapping/>
+  </p:clrMapOvr>
+  <mc:AlternateContent xmlns:mc="http://schemas.openxmlformats.org/markup-compatibility/2006" xmlns:p14="http://schemas.microsoft.com/office/powerpoint/2010/main">
+    <mc:Choice Requires="p14">
+      <p:transition spd="med" p14:dur="700">
+        <p:fade/>
+      </p:transition>
+    </mc:Choice>
+    <mc:Fallback xmlns:ahyp="http://schemas.microsoft.com/office/drawing/2018/hyperlinkcolor" xmlns:p15="http://schemas.microsoft.com/office/powerpoint/2012/main" xmlns:com="http://schemas.openxmlformats.org/drawingml/2006/compatibility" xmlns:pvml="urn:schemas-microsoft-com:office:powerpoint" xmlns:v="urn:schemas-microsoft-com:vml" xmlns:o="urn:schemas-microsoft-com:office:office" xmlns:dgm="http://schemas.openxmlformats.org/drawingml/2006/diagram" xmlns:c="http://schemas.openxmlformats.org/drawingml/2006/chart" xmlns:mv="urn:schemas-microsoft-com:mac:vml" xmlns="">
+      <p:transition spd="slow">
+        <p:fade/>
+      </p:transition>
+    </mc:Fallback>
+  </mc:AlternateContent>
+</p:sld>
+</file>
+
+<file path=ppt/slides/slide6.xml><?xml version="1.0" encoding="utf-8"?>
+<p:sld xmlns:a="http://schemas.openxmlformats.org/drawingml/2006/main" xmlns:r="http://schemas.openxmlformats.org/officeDocument/2006/relationships" xmlns:p="http://schemas.openxmlformats.org/presentationml/2006/main">
+  <p:cSld>
+    <p:spTree>
+      <p:nvGrpSpPr>
         <p:cNvPr id="1" name="Shape 76"/>
         <p:cNvGrpSpPr/>
         <p:nvPr/>
@@ -10140,7 +10692,7 @@
 </p:sld>
 </file>
 
-<file path=ppt/slides/slide6.xml><?xml version="1.0" encoding="utf-8"?>
+<file path=ppt/slides/slide7.xml><?xml version="1.0" encoding="utf-8"?>
 <p:sld xmlns:a="http://schemas.openxmlformats.org/drawingml/2006/main" xmlns:r="http://schemas.openxmlformats.org/officeDocument/2006/relationships" xmlns:p="http://schemas.openxmlformats.org/presentationml/2006/main">
   <p:cSld>
     <p:spTree>
@@ -10368,7 +10920,7 @@
 </p:sld>
 </file>
 
-<file path=ppt/slides/slide7.xml><?xml version="1.0" encoding="utf-8"?>
+<file path=ppt/slides/slide8.xml><?xml version="1.0" encoding="utf-8"?>
 <p:sld xmlns:a="http://schemas.openxmlformats.org/drawingml/2006/main" xmlns:r="http://schemas.openxmlformats.org/officeDocument/2006/relationships" xmlns:p="http://schemas.openxmlformats.org/presentationml/2006/main">
   <p:cSld>
     <p:spTree>
@@ -10750,7 +11302,7 @@
         </p:nvGraphicFramePr>
         <p:xfrm>
           <a:off x="1959325" y="2651575"/>
-          <a:ext cx="3000000" cy="3000000"/>
+          <a:ext cx="1363725" cy="1670530"/>
         </p:xfrm>
         <a:graphic>
           <a:graphicData uri="http://schemas.openxmlformats.org/drawingml/2006/table">
@@ -10904,7 +11456,7 @@
         </p:nvGraphicFramePr>
         <p:xfrm>
           <a:off x="4346525" y="2651575"/>
-          <a:ext cx="3000000" cy="3000000"/>
+          <a:ext cx="1363725" cy="1981050"/>
         </p:xfrm>
         <a:graphic>
           <a:graphicData uri="http://schemas.openxmlformats.org/drawingml/2006/table">
@@ -11250,7 +11802,7 @@
 </p:sld>
 </file>
 
-<file path=ppt/slides/slide8.xml><?xml version="1.0" encoding="utf-8"?>
+<file path=ppt/slides/slide9.xml><?xml version="1.0" encoding="utf-8"?>
 <p:sld xmlns:a="http://schemas.openxmlformats.org/drawingml/2006/main" xmlns:r="http://schemas.openxmlformats.org/officeDocument/2006/relationships" xmlns:p="http://schemas.openxmlformats.org/presentationml/2006/main">
   <p:cSld>
     <p:spTree>
@@ -11468,292 +12020,6 @@
       <p:sp>
         <p:nvSpPr>
           <p:cNvPr id="111" name="Google Shape;111;p24"/>
-          <p:cNvSpPr txBox="1"/>
-          <p:nvPr/>
-        </p:nvSpPr>
-        <p:spPr>
-          <a:xfrm>
-            <a:off x="7741675" y="4196375"/>
-            <a:ext cx="1300200" cy="354000"/>
-          </a:xfrm>
-          <a:prstGeom prst="rect">
-            <a:avLst/>
-          </a:prstGeom>
-          <a:noFill/>
-          <a:ln>
-            <a:noFill/>
-          </a:ln>
-        </p:spPr>
-        <p:txBody>
-          <a:bodyPr spcFirstLastPara="1" wrap="square" lIns="91425" tIns="91425" rIns="91425" bIns="91425" anchor="t" anchorCtr="0">
-            <a:spAutoFit/>
-          </a:bodyPr>
-          <a:lstStyle/>
-          <a:p>
-            <a:pPr marL="0" lvl="0" indent="0" algn="l" rtl="0">
-              <a:spcBef>
-                <a:spcPts val="0"/>
-              </a:spcBef>
-              <a:spcAft>
-                <a:spcPts val="0"/>
-              </a:spcAft>
-              <a:buNone/>
-            </a:pPr>
-            <a:r>
-              <a:rPr lang="en" sz="1100" u="sng">
-                <a:solidFill>
-                  <a:schemeClr val="hlink"/>
-                </a:solidFill>
-                <a:hlinkClick r:id="rId4"/>
-              </a:rPr>
-              <a:t>Image Source</a:t>
-            </a:r>
-            <a:endParaRPr sz="1100">
-              <a:solidFill>
-                <a:schemeClr val="accent1"/>
-              </a:solidFill>
-            </a:endParaRPr>
-          </a:p>
-        </p:txBody>
-      </p:sp>
-    </p:spTree>
-  </p:cSld>
-  <p:clrMapOvr>
-    <a:masterClrMapping/>
-  </p:clrMapOvr>
-</p:sld>
-</file>
-
-<file path=ppt/slides/slide9.xml><?xml version="1.0" encoding="utf-8"?>
-<p:sld xmlns:a="http://schemas.openxmlformats.org/drawingml/2006/main" xmlns:r="http://schemas.openxmlformats.org/officeDocument/2006/relationships" xmlns:p="http://schemas.openxmlformats.org/presentationml/2006/main">
-  <p:cSld>
-    <p:spTree>
-      <p:nvGrpSpPr>
-        <p:cNvPr id="1" name="Shape 115"/>
-        <p:cNvGrpSpPr/>
-        <p:nvPr/>
-      </p:nvGrpSpPr>
-      <p:grpSpPr>
-        <a:xfrm>
-          <a:off x="0" y="0"/>
-          <a:ext cx="0" cy="0"/>
-          <a:chOff x="0" y="0"/>
-          <a:chExt cx="0" cy="0"/>
-        </a:xfrm>
-      </p:grpSpPr>
-      <p:sp>
-        <p:nvSpPr>
-          <p:cNvPr id="116" name="Google Shape;116;p25"/>
-          <p:cNvSpPr txBox="1">
-            <a:spLocks noGrp="1"/>
-          </p:cNvSpPr>
-          <p:nvPr>
-            <p:ph type="title"/>
-          </p:nvPr>
-        </p:nvSpPr>
-        <p:spPr>
-          <a:xfrm>
-            <a:off x="633413" y="133350"/>
-            <a:ext cx="7877100" cy="857400"/>
-          </a:xfrm>
-          <a:prstGeom prst="rect">
-            <a:avLst/>
-          </a:prstGeom>
-        </p:spPr>
-        <p:txBody>
-          <a:bodyPr spcFirstLastPara="1" wrap="square" lIns="19050" tIns="19050" rIns="19050" bIns="19050" anchor="ctr" anchorCtr="0">
-            <a:noAutofit/>
-          </a:bodyPr>
-          <a:lstStyle/>
-          <a:p>
-            <a:pPr marL="0" lvl="0" indent="0" algn="ctr" rtl="0">
-              <a:spcBef>
-                <a:spcPts val="0"/>
-              </a:spcBef>
-              <a:spcAft>
-                <a:spcPts val="0"/>
-              </a:spcAft>
-              <a:buNone/>
-            </a:pPr>
-            <a:r>
-              <a:rPr lang="en" sz="2100">
-                <a:latin typeface="Arial"/>
-                <a:ea typeface="Arial"/>
-                <a:cs typeface="Arial"/>
-                <a:sym typeface="Arial"/>
-              </a:rPr>
-              <a:t>Different levels of ERD</a:t>
-            </a:r>
-            <a:endParaRPr sz="2100">
-              <a:latin typeface="Arial"/>
-              <a:ea typeface="Arial"/>
-              <a:cs typeface="Arial"/>
-              <a:sym typeface="Arial"/>
-            </a:endParaRPr>
-          </a:p>
-        </p:txBody>
-      </p:sp>
-      <p:sp>
-        <p:nvSpPr>
-          <p:cNvPr id="117" name="Google Shape;117;p25"/>
-          <p:cNvSpPr txBox="1"/>
-          <p:nvPr/>
-        </p:nvSpPr>
-        <p:spPr>
-          <a:xfrm>
-            <a:off x="1083925" y="934700"/>
-            <a:ext cx="6431400" cy="2154900"/>
-          </a:xfrm>
-          <a:prstGeom prst="rect">
-            <a:avLst/>
-          </a:prstGeom>
-          <a:noFill/>
-          <a:ln>
-            <a:noFill/>
-          </a:ln>
-        </p:spPr>
-        <p:txBody>
-          <a:bodyPr spcFirstLastPara="1" wrap="square" lIns="91425" tIns="91425" rIns="91425" bIns="91425" anchor="t" anchorCtr="0">
-            <a:spAutoFit/>
-          </a:bodyPr>
-          <a:lstStyle/>
-          <a:p>
-            <a:pPr marL="0" lvl="0" indent="0" algn="l" rtl="0">
-              <a:spcBef>
-                <a:spcPts val="0"/>
-              </a:spcBef>
-              <a:spcAft>
-                <a:spcPts val="0"/>
-              </a:spcAft>
-              <a:buNone/>
-            </a:pPr>
-            <a:endParaRPr sz="1600"/>
-          </a:p>
-          <a:p>
-            <a:pPr marL="0" lvl="0" indent="0" algn="l" rtl="0">
-              <a:spcBef>
-                <a:spcPts val="0"/>
-              </a:spcBef>
-              <a:spcAft>
-                <a:spcPts val="0"/>
-              </a:spcAft>
-              <a:buNone/>
-            </a:pPr>
-            <a:r>
-              <a:rPr lang="en" sz="1600" u="sng"/>
-              <a:t>Logical Data Model</a:t>
-            </a:r>
-            <a:r>
-              <a:rPr lang="en" sz="1600"/>
-              <a:t> - includes attributes </a:t>
-            </a:r>
-            <a:endParaRPr sz="1600" u="sng"/>
-          </a:p>
-          <a:p>
-            <a:pPr marL="0" lvl="0" indent="0" algn="l" rtl="0">
-              <a:spcBef>
-                <a:spcPts val="0"/>
-              </a:spcBef>
-              <a:spcAft>
-                <a:spcPts val="0"/>
-              </a:spcAft>
-              <a:buNone/>
-            </a:pPr>
-            <a:endParaRPr sz="1600"/>
-          </a:p>
-          <a:p>
-            <a:pPr marL="0" lvl="0" indent="0" algn="l" rtl="0">
-              <a:spcBef>
-                <a:spcPts val="0"/>
-              </a:spcBef>
-              <a:spcAft>
-                <a:spcPts val="0"/>
-              </a:spcAft>
-              <a:buNone/>
-            </a:pPr>
-            <a:endParaRPr sz="1600"/>
-          </a:p>
-          <a:p>
-            <a:pPr marL="0" lvl="0" indent="0" algn="l" rtl="0">
-              <a:spcBef>
-                <a:spcPts val="0"/>
-              </a:spcBef>
-              <a:spcAft>
-                <a:spcPts val="0"/>
-              </a:spcAft>
-              <a:buNone/>
-            </a:pPr>
-            <a:endParaRPr sz="1600"/>
-          </a:p>
-          <a:p>
-            <a:pPr marL="0" lvl="0" indent="0" algn="l" rtl="0">
-              <a:spcBef>
-                <a:spcPts val="0"/>
-              </a:spcBef>
-              <a:spcAft>
-                <a:spcPts val="0"/>
-              </a:spcAft>
-              <a:buNone/>
-            </a:pPr>
-            <a:endParaRPr sz="1600"/>
-          </a:p>
-          <a:p>
-            <a:pPr marL="0" lvl="0" indent="0" algn="l" rtl="0">
-              <a:spcBef>
-                <a:spcPts val="0"/>
-              </a:spcBef>
-              <a:spcAft>
-                <a:spcPts val="0"/>
-              </a:spcAft>
-              <a:buNone/>
-            </a:pPr>
-            <a:endParaRPr sz="1600"/>
-          </a:p>
-          <a:p>
-            <a:pPr marL="0" lvl="0" indent="0" algn="l" rtl="0">
-              <a:spcBef>
-                <a:spcPts val="0"/>
-              </a:spcBef>
-              <a:spcAft>
-                <a:spcPts val="0"/>
-              </a:spcAft>
-              <a:buNone/>
-            </a:pPr>
-            <a:endParaRPr sz="1600"/>
-          </a:p>
-        </p:txBody>
-      </p:sp>
-      <p:pic>
-        <p:nvPicPr>
-          <p:cNvPr id="118" name="Google Shape;118;p25"/>
-          <p:cNvPicPr preferRelativeResize="0"/>
-          <p:nvPr/>
-        </p:nvPicPr>
-        <p:blipFill>
-          <a:blip r:embed="rId3">
-            <a:alphaModFix/>
-          </a:blip>
-          <a:stretch>
-            <a:fillRect/>
-          </a:stretch>
-        </p:blipFill>
-        <p:spPr>
-          <a:xfrm>
-            <a:off x="1287650" y="1910150"/>
-            <a:ext cx="5386350" cy="1749100"/>
-          </a:xfrm>
-          <a:prstGeom prst="rect">
-            <a:avLst/>
-          </a:prstGeom>
-          <a:noFill/>
-          <a:ln>
-            <a:noFill/>
-          </a:ln>
-        </p:spPr>
-      </p:pic>
-      <p:sp>
-        <p:nvSpPr>
-          <p:cNvPr id="119" name="Google Shape;119;p25"/>
           <p:cNvSpPr txBox="1"/>
           <p:nvPr/>
         </p:nvSpPr>
